--- a/Project_1_final.pptx
+++ b/Project_1_final.pptx
@@ -2,33 +2,33 @@
 <file path=ppt/presentation.xml><?xml version="1.0" encoding="utf-8"?>
 <p:presentation xmlns:a="http://schemas.openxmlformats.org/drawingml/2006/main" xmlns:r="http://schemas.openxmlformats.org/officeDocument/2006/relationships" xmlns:p="http://schemas.openxmlformats.org/presentationml/2006/main" autoCompressPictures="0">
   <p:sldMasterIdLst>
-    <p:sldMasterId id="2147483648" r:id="rId1"/>
+    <p:sldMasterId id="2147483648" r:id="rId4"/>
   </p:sldMasterIdLst>
   <p:notesMasterIdLst>
-    <p:notesMasterId r:id="rId16"/>
+    <p:notesMasterId r:id="rId18"/>
   </p:notesMasterIdLst>
   <p:handoutMasterIdLst>
-    <p:handoutMasterId r:id="rId17"/>
+    <p:handoutMasterId r:id="rId19"/>
   </p:handoutMasterIdLst>
   <p:sldIdLst>
-    <p:sldId id="256" r:id="rId3"/>
-    <p:sldId id="257" r:id="rId4"/>
-    <p:sldId id="276" r:id="rId5"/>
-    <p:sldId id="278" r:id="rId6"/>
-    <p:sldId id="277" r:id="rId7"/>
-    <p:sldId id="279" r:id="rId8"/>
-    <p:sldId id="280" r:id="rId9"/>
-    <p:sldId id="281" r:id="rId10"/>
-    <p:sldId id="282" r:id="rId11"/>
-    <p:sldId id="283" r:id="rId12"/>
-    <p:sldId id="284" r:id="rId13"/>
-    <p:sldId id="286" r:id="rId14"/>
-    <p:sldId id="285" r:id="rId15"/>
+    <p:sldId id="256" r:id="rId5"/>
+    <p:sldId id="257" r:id="rId6"/>
+    <p:sldId id="276" r:id="rId7"/>
+    <p:sldId id="278" r:id="rId8"/>
+    <p:sldId id="277" r:id="rId9"/>
+    <p:sldId id="279" r:id="rId10"/>
+    <p:sldId id="280" r:id="rId11"/>
+    <p:sldId id="281" r:id="rId12"/>
+    <p:sldId id="282" r:id="rId13"/>
+    <p:sldId id="283" r:id="rId14"/>
+    <p:sldId id="284" r:id="rId15"/>
+    <p:sldId id="286" r:id="rId16"/>
+    <p:sldId id="285" r:id="rId17"/>
   </p:sldIdLst>
   <p:sldSz cx="12192000" cy="6858000"/>
   <p:notesSz cx="6858000" cy="9144000"/>
   <p:custDataLst>
-    <p:tags r:id="rId24"/>
+    <p:tags r:id="rId20"/>
   </p:custDataLst>
   <p:defaultTextStyle>
     <a:defPPr>
@@ -232,6 +232,7 @@
                 <a:latin typeface="Arial" panose="020B0604020202020204" pitchFamily="34" charset="0"/>
                 <a:ea typeface="Arial" panose="020B0604020202020204" pitchFamily="34" charset="0"/>
               </a:rPr>
+              <a:t>2026/2/23</a:t>
             </a:fld>
             <a:endParaRPr lang="zh-CN" altLang="en-US">
               <a:latin typeface="Arial" panose="020B0604020202020204" pitchFamily="34" charset="0"/>
@@ -306,6 +307,7 @@
                 <a:latin typeface="Arial" panose="020B0604020202020204" pitchFamily="34" charset="0"/>
                 <a:ea typeface="Arial" panose="020B0604020202020204" pitchFamily="34" charset="0"/>
               </a:rPr>
+              <a:t>‹#›</a:t>
             </a:fld>
             <a:endParaRPr lang="zh-CN" altLang="en-US">
               <a:latin typeface="Arial" panose="020B0604020202020204" pitchFamily="34" charset="0"/>
@@ -315,6 +317,11 @@
         </p:txBody>
       </p:sp>
     </p:spTree>
+    <p:extLst>
+      <p:ext uri="{BB962C8B-B14F-4D97-AF65-F5344CB8AC3E}">
+        <p14:creationId xmlns:p14="http://schemas.microsoft.com/office/powerpoint/2010/main" val="1"/>
+      </p:ext>
+    </p:extLst>
   </p:cSld>
   <p:clrMap bg1="lt1" tx1="dk1" bg2="lt2" tx2="dk2" accent1="accent1" accent2="accent2" accent3="accent3" accent4="accent4" accent5="accent5" accent6="accent6" hlink="hlink" folHlink="folHlink"/>
 </p:handoutMaster>
@@ -408,6 +415,7 @@
           <a:p>
             <a:fld id="{D2A48B96-639E-45A3-A0BA-2464DFDB1FAA}" type="datetimeFigureOut">
               <a:rPr lang="zh-CN" altLang="en-US" smtClean="0"/>
+              <a:t>2026/2/23</a:t>
             </a:fld>
             <a:endParaRPr lang="zh-CN" altLang="en-US"/>
           </a:p>
@@ -474,7 +482,6 @@
               <a:rPr lang="zh-CN" altLang="en-US"/>
               <a:t>单击此处编辑母版文本样式</a:t>
             </a:r>
-            <a:endParaRPr lang="zh-CN" altLang="en-US"/>
           </a:p>
           <a:p>
             <a:pPr lvl="1"/>
@@ -482,7 +489,6 @@
               <a:rPr lang="zh-CN" altLang="en-US"/>
               <a:t>第二级</a:t>
             </a:r>
-            <a:endParaRPr lang="zh-CN" altLang="en-US"/>
           </a:p>
           <a:p>
             <a:pPr lvl="2"/>
@@ -490,7 +496,6 @@
               <a:rPr lang="zh-CN" altLang="en-US"/>
               <a:t>第三级</a:t>
             </a:r>
-            <a:endParaRPr lang="zh-CN" altLang="en-US"/>
           </a:p>
           <a:p>
             <a:pPr lvl="3"/>
@@ -498,7 +503,6 @@
               <a:rPr lang="zh-CN" altLang="en-US"/>
               <a:t>第四级</a:t>
             </a:r>
-            <a:endParaRPr lang="zh-CN" altLang="en-US"/>
           </a:p>
           <a:p>
             <a:pPr lvl="4"/>
@@ -506,7 +510,6 @@
               <a:rPr lang="zh-CN" altLang="en-US"/>
               <a:t>第五级</a:t>
             </a:r>
-            <a:endParaRPr lang="zh-CN" altLang="en-US"/>
           </a:p>
         </p:txBody>
       </p:sp>
@@ -576,6 +579,7 @@
           <a:p>
             <a:fld id="{A6837353-30EB-4A48-80EB-173D804AEFBD}" type="slidenum">
               <a:rPr lang="zh-CN" altLang="en-US" smtClean="0"/>
+              <a:t>‹#›</a:t>
             </a:fld>
             <a:endParaRPr lang="zh-CN" altLang="en-US"/>
           </a:p>
@@ -720,7 +724,6 @@
               <a:rPr lang="en-US"/>
               <a:t>Click to edit Master title style</a:t>
             </a:r>
-            <a:endParaRPr lang="en-US"/>
           </a:p>
         </p:txBody>
       </p:sp>
@@ -839,7 +842,6 @@
               <a:rPr lang="en-US"/>
               <a:t>Click to edit Master subtitle style</a:t>
             </a:r>
-            <a:endParaRPr lang="en-US"/>
           </a:p>
         </p:txBody>
       </p:sp>
@@ -860,6 +862,7 @@
           <a:p>
             <a:fld id="{5BCAD085-E8A6-8845-BD4E-CB4CCA059FC4}" type="datetimeFigureOut">
               <a:rPr lang="en-US" smtClean="0"/>
+              <a:t>2/23/2026</a:t>
             </a:fld>
             <a:endParaRPr lang="en-US"/>
           </a:p>
@@ -901,6 +904,7 @@
           <a:p>
             <a:fld id="{C1FF6DA9-008F-8B48-92A6-B652298478BF}" type="slidenum">
               <a:rPr lang="en-US" smtClean="0"/>
+              <a:t>‹#›</a:t>
             </a:fld>
             <a:endParaRPr lang="en-US"/>
           </a:p>
@@ -950,7 +954,6 @@
               <a:rPr lang="en-US"/>
               <a:t>Click to edit Master title style</a:t>
             </a:r>
-            <a:endParaRPr lang="en-US"/>
           </a:p>
         </p:txBody>
       </p:sp>
@@ -974,7 +977,6 @@
               <a:rPr lang="en-US"/>
               <a:t>Click to edit Master text styles</a:t>
             </a:r>
-            <a:endParaRPr lang="en-US"/>
           </a:p>
           <a:p>
             <a:pPr lvl="1"/>
@@ -982,7 +984,6 @@
               <a:rPr lang="en-US"/>
               <a:t>Second level</a:t>
             </a:r>
-            <a:endParaRPr lang="en-US"/>
           </a:p>
           <a:p>
             <a:pPr lvl="2"/>
@@ -990,7 +991,6 @@
               <a:rPr lang="en-US"/>
               <a:t>Third level</a:t>
             </a:r>
-            <a:endParaRPr lang="en-US"/>
           </a:p>
           <a:p>
             <a:pPr lvl="3"/>
@@ -998,7 +998,6 @@
               <a:rPr lang="en-US"/>
               <a:t>Fourth level</a:t>
             </a:r>
-            <a:endParaRPr lang="en-US"/>
           </a:p>
           <a:p>
             <a:pPr lvl="4"/>
@@ -1006,7 +1005,6 @@
               <a:rPr lang="en-US"/>
               <a:t>Fifth level</a:t>
             </a:r>
-            <a:endParaRPr lang="en-US"/>
           </a:p>
         </p:txBody>
       </p:sp>
@@ -1027,6 +1025,7 @@
           <a:p>
             <a:fld id="{5BCAD085-E8A6-8845-BD4E-CB4CCA059FC4}" type="datetimeFigureOut">
               <a:rPr lang="en-US" smtClean="0"/>
+              <a:t>2/23/2026</a:t>
             </a:fld>
             <a:endParaRPr lang="en-US"/>
           </a:p>
@@ -1068,6 +1067,7 @@
           <a:p>
             <a:fld id="{C1FF6DA9-008F-8B48-92A6-B652298478BF}" type="slidenum">
               <a:rPr lang="en-US" smtClean="0"/>
+              <a:t>‹#›</a:t>
             </a:fld>
             <a:endParaRPr lang="en-US"/>
           </a:p>
@@ -1122,7 +1122,6 @@
               <a:rPr lang="en-US"/>
               <a:t>Click to edit Master title style</a:t>
             </a:r>
-            <a:endParaRPr lang="en-US"/>
           </a:p>
         </p:txBody>
       </p:sp>
@@ -1151,7 +1150,6 @@
               <a:rPr lang="en-US"/>
               <a:t>Click to edit Master text styles</a:t>
             </a:r>
-            <a:endParaRPr lang="en-US"/>
           </a:p>
           <a:p>
             <a:pPr lvl="1"/>
@@ -1159,7 +1157,6 @@
               <a:rPr lang="en-US"/>
               <a:t>Second level</a:t>
             </a:r>
-            <a:endParaRPr lang="en-US"/>
           </a:p>
           <a:p>
             <a:pPr lvl="2"/>
@@ -1167,7 +1164,6 @@
               <a:rPr lang="en-US"/>
               <a:t>Third level</a:t>
             </a:r>
-            <a:endParaRPr lang="en-US"/>
           </a:p>
           <a:p>
             <a:pPr lvl="3"/>
@@ -1175,7 +1171,6 @@
               <a:rPr lang="en-US"/>
               <a:t>Fourth level</a:t>
             </a:r>
-            <a:endParaRPr lang="en-US"/>
           </a:p>
           <a:p>
             <a:pPr lvl="4"/>
@@ -1183,7 +1178,6 @@
               <a:rPr lang="en-US"/>
               <a:t>Fifth level</a:t>
             </a:r>
-            <a:endParaRPr lang="en-US"/>
           </a:p>
         </p:txBody>
       </p:sp>
@@ -1204,6 +1198,7 @@
           <a:p>
             <a:fld id="{5BCAD085-E8A6-8845-BD4E-CB4CCA059FC4}" type="datetimeFigureOut">
               <a:rPr lang="en-US" smtClean="0"/>
+              <a:t>2/23/2026</a:t>
             </a:fld>
             <a:endParaRPr lang="en-US"/>
           </a:p>
@@ -1245,6 +1240,7 @@
           <a:p>
             <a:fld id="{C1FF6DA9-008F-8B48-92A6-B652298478BF}" type="slidenum">
               <a:rPr lang="en-US" smtClean="0"/>
+              <a:t>‹#›</a:t>
             </a:fld>
             <a:endParaRPr lang="en-US"/>
           </a:p>
@@ -1294,7 +1290,6 @@
               <a:rPr lang="en-US"/>
               <a:t>Click to edit Master title style</a:t>
             </a:r>
-            <a:endParaRPr lang="en-US"/>
           </a:p>
         </p:txBody>
       </p:sp>
@@ -1318,7 +1313,6 @@
               <a:rPr lang="en-US"/>
               <a:t>Click to edit Master text styles</a:t>
             </a:r>
-            <a:endParaRPr lang="en-US"/>
           </a:p>
           <a:p>
             <a:pPr lvl="1"/>
@@ -1326,7 +1320,6 @@
               <a:rPr lang="en-US"/>
               <a:t>Second level</a:t>
             </a:r>
-            <a:endParaRPr lang="en-US"/>
           </a:p>
           <a:p>
             <a:pPr lvl="2"/>
@@ -1334,7 +1327,6 @@
               <a:rPr lang="en-US"/>
               <a:t>Third level</a:t>
             </a:r>
-            <a:endParaRPr lang="en-US"/>
           </a:p>
           <a:p>
             <a:pPr lvl="3"/>
@@ -1342,7 +1334,6 @@
               <a:rPr lang="en-US"/>
               <a:t>Fourth level</a:t>
             </a:r>
-            <a:endParaRPr lang="en-US"/>
           </a:p>
           <a:p>
             <a:pPr lvl="4"/>
@@ -1350,7 +1341,6 @@
               <a:rPr lang="en-US"/>
               <a:t>Fifth level</a:t>
             </a:r>
-            <a:endParaRPr lang="en-US"/>
           </a:p>
         </p:txBody>
       </p:sp>
@@ -1371,6 +1361,7 @@
           <a:p>
             <a:fld id="{5BCAD085-E8A6-8845-BD4E-CB4CCA059FC4}" type="datetimeFigureOut">
               <a:rPr lang="en-US" smtClean="0"/>
+              <a:t>2/23/2026</a:t>
             </a:fld>
             <a:endParaRPr lang="en-US"/>
           </a:p>
@@ -1412,6 +1403,7 @@
           <a:p>
             <a:fld id="{C1FF6DA9-008F-8B48-92A6-B652298478BF}" type="slidenum">
               <a:rPr lang="en-US" smtClean="0"/>
+              <a:t>‹#›</a:t>
             </a:fld>
             <a:endParaRPr lang="en-US"/>
           </a:p>
@@ -1470,7 +1462,6 @@
               <a:rPr lang="en-US"/>
               <a:t>Click to edit Master title style</a:t>
             </a:r>
-            <a:endParaRPr lang="en-US"/>
           </a:p>
         </p:txBody>
       </p:sp>
@@ -1590,7 +1581,6 @@
               <a:rPr lang="en-US"/>
               <a:t>Click to edit Master text styles</a:t>
             </a:r>
-            <a:endParaRPr lang="en-US"/>
           </a:p>
         </p:txBody>
       </p:sp>
@@ -1611,6 +1601,7 @@
           <a:p>
             <a:fld id="{5BCAD085-E8A6-8845-BD4E-CB4CCA059FC4}" type="datetimeFigureOut">
               <a:rPr lang="en-US" smtClean="0"/>
+              <a:t>2/23/2026</a:t>
             </a:fld>
             <a:endParaRPr lang="en-US"/>
           </a:p>
@@ -1652,6 +1643,7 @@
           <a:p>
             <a:fld id="{C1FF6DA9-008F-8B48-92A6-B652298478BF}" type="slidenum">
               <a:rPr lang="en-US" smtClean="0"/>
+              <a:t>‹#›</a:t>
             </a:fld>
             <a:endParaRPr lang="en-US"/>
           </a:p>
@@ -1701,7 +1693,6 @@
               <a:rPr lang="en-US"/>
               <a:t>Click to edit Master title style</a:t>
             </a:r>
-            <a:endParaRPr lang="en-US"/>
           </a:p>
         </p:txBody>
       </p:sp>
@@ -1758,7 +1749,6 @@
               <a:rPr lang="en-US"/>
               <a:t>Click to edit Master text styles</a:t>
             </a:r>
-            <a:endParaRPr lang="en-US"/>
           </a:p>
           <a:p>
             <a:pPr lvl="1"/>
@@ -1766,7 +1756,6 @@
               <a:rPr lang="en-US"/>
               <a:t>Second level</a:t>
             </a:r>
-            <a:endParaRPr lang="en-US"/>
           </a:p>
           <a:p>
             <a:pPr lvl="2"/>
@@ -1774,7 +1763,6 @@
               <a:rPr lang="en-US"/>
               <a:t>Third level</a:t>
             </a:r>
-            <a:endParaRPr lang="en-US"/>
           </a:p>
           <a:p>
             <a:pPr lvl="3"/>
@@ -1782,7 +1770,6 @@
               <a:rPr lang="en-US"/>
               <a:t>Fourth level</a:t>
             </a:r>
-            <a:endParaRPr lang="en-US"/>
           </a:p>
           <a:p>
             <a:pPr lvl="4"/>
@@ -1790,7 +1777,6 @@
               <a:rPr lang="en-US"/>
               <a:t>Fifth level</a:t>
             </a:r>
-            <a:endParaRPr lang="en-US"/>
           </a:p>
         </p:txBody>
       </p:sp>
@@ -1847,7 +1833,6 @@
               <a:rPr lang="en-US"/>
               <a:t>Click to edit Master text styles</a:t>
             </a:r>
-            <a:endParaRPr lang="en-US"/>
           </a:p>
           <a:p>
             <a:pPr lvl="1"/>
@@ -1855,7 +1840,6 @@
               <a:rPr lang="en-US"/>
               <a:t>Second level</a:t>
             </a:r>
-            <a:endParaRPr lang="en-US"/>
           </a:p>
           <a:p>
             <a:pPr lvl="2"/>
@@ -1863,7 +1847,6 @@
               <a:rPr lang="en-US"/>
               <a:t>Third level</a:t>
             </a:r>
-            <a:endParaRPr lang="en-US"/>
           </a:p>
           <a:p>
             <a:pPr lvl="3"/>
@@ -1871,7 +1854,6 @@
               <a:rPr lang="en-US"/>
               <a:t>Fourth level</a:t>
             </a:r>
-            <a:endParaRPr lang="en-US"/>
           </a:p>
           <a:p>
             <a:pPr lvl="4"/>
@@ -1879,7 +1861,6 @@
               <a:rPr lang="en-US"/>
               <a:t>Fifth level</a:t>
             </a:r>
-            <a:endParaRPr lang="en-US"/>
           </a:p>
         </p:txBody>
       </p:sp>
@@ -1900,6 +1881,7 @@
           <a:p>
             <a:fld id="{5BCAD085-E8A6-8845-BD4E-CB4CCA059FC4}" type="datetimeFigureOut">
               <a:rPr lang="en-US" smtClean="0"/>
+              <a:t>2/23/2026</a:t>
             </a:fld>
             <a:endParaRPr lang="en-US"/>
           </a:p>
@@ -1941,6 +1923,7 @@
           <a:p>
             <a:fld id="{C1FF6DA9-008F-8B48-92A6-B652298478BF}" type="slidenum">
               <a:rPr lang="en-US" smtClean="0"/>
+              <a:t>‹#›</a:t>
             </a:fld>
             <a:endParaRPr lang="en-US"/>
           </a:p>
@@ -1994,7 +1977,6 @@
               <a:rPr lang="en-US"/>
               <a:t>Click to edit Master title style</a:t>
             </a:r>
-            <a:endParaRPr lang="en-US"/>
           </a:p>
         </p:txBody>
       </p:sp>
@@ -2060,7 +2042,6 @@
               <a:rPr lang="en-US"/>
               <a:t>Click to edit Master text styles</a:t>
             </a:r>
-            <a:endParaRPr lang="en-US"/>
           </a:p>
         </p:txBody>
       </p:sp>
@@ -2117,7 +2098,6 @@
               <a:rPr lang="en-US"/>
               <a:t>Click to edit Master text styles</a:t>
             </a:r>
-            <a:endParaRPr lang="en-US"/>
           </a:p>
           <a:p>
             <a:pPr lvl="1"/>
@@ -2125,7 +2105,6 @@
               <a:rPr lang="en-US"/>
               <a:t>Second level</a:t>
             </a:r>
-            <a:endParaRPr lang="en-US"/>
           </a:p>
           <a:p>
             <a:pPr lvl="2"/>
@@ -2133,7 +2112,6 @@
               <a:rPr lang="en-US"/>
               <a:t>Third level</a:t>
             </a:r>
-            <a:endParaRPr lang="en-US"/>
           </a:p>
           <a:p>
             <a:pPr lvl="3"/>
@@ -2141,7 +2119,6 @@
               <a:rPr lang="en-US"/>
               <a:t>Fourth level</a:t>
             </a:r>
-            <a:endParaRPr lang="en-US"/>
           </a:p>
           <a:p>
             <a:pPr lvl="4"/>
@@ -2149,7 +2126,6 @@
               <a:rPr lang="en-US"/>
               <a:t>Fifth level</a:t>
             </a:r>
-            <a:endParaRPr lang="en-US"/>
           </a:p>
         </p:txBody>
       </p:sp>
@@ -2215,7 +2191,6 @@
               <a:rPr lang="en-US"/>
               <a:t>Click to edit Master text styles</a:t>
             </a:r>
-            <a:endParaRPr lang="en-US"/>
           </a:p>
         </p:txBody>
       </p:sp>
@@ -2272,7 +2247,6 @@
               <a:rPr lang="en-US"/>
               <a:t>Click to edit Master text styles</a:t>
             </a:r>
-            <a:endParaRPr lang="en-US"/>
           </a:p>
           <a:p>
             <a:pPr lvl="1"/>
@@ -2280,7 +2254,6 @@
               <a:rPr lang="en-US"/>
               <a:t>Second level</a:t>
             </a:r>
-            <a:endParaRPr lang="en-US"/>
           </a:p>
           <a:p>
             <a:pPr lvl="2"/>
@@ -2288,7 +2261,6 @@
               <a:rPr lang="en-US"/>
               <a:t>Third level</a:t>
             </a:r>
-            <a:endParaRPr lang="en-US"/>
           </a:p>
           <a:p>
             <a:pPr lvl="3"/>
@@ -2296,7 +2268,6 @@
               <a:rPr lang="en-US"/>
               <a:t>Fourth level</a:t>
             </a:r>
-            <a:endParaRPr lang="en-US"/>
           </a:p>
           <a:p>
             <a:pPr lvl="4"/>
@@ -2304,7 +2275,6 @@
               <a:rPr lang="en-US"/>
               <a:t>Fifth level</a:t>
             </a:r>
-            <a:endParaRPr lang="en-US"/>
           </a:p>
         </p:txBody>
       </p:sp>
@@ -2325,6 +2295,7 @@
           <a:p>
             <a:fld id="{5BCAD085-E8A6-8845-BD4E-CB4CCA059FC4}" type="datetimeFigureOut">
               <a:rPr lang="en-US" smtClean="0"/>
+              <a:t>2/23/2026</a:t>
             </a:fld>
             <a:endParaRPr lang="en-US"/>
           </a:p>
@@ -2366,6 +2337,7 @@
           <a:p>
             <a:fld id="{C1FF6DA9-008F-8B48-92A6-B652298478BF}" type="slidenum">
               <a:rPr lang="en-US" smtClean="0"/>
+              <a:t>‹#›</a:t>
             </a:fld>
             <a:endParaRPr lang="en-US"/>
           </a:p>
@@ -2415,7 +2387,6 @@
               <a:rPr lang="en-US"/>
               <a:t>Click to edit Master title style</a:t>
             </a:r>
-            <a:endParaRPr lang="en-US"/>
           </a:p>
         </p:txBody>
       </p:sp>
@@ -2436,6 +2407,7 @@
           <a:p>
             <a:fld id="{5BCAD085-E8A6-8845-BD4E-CB4CCA059FC4}" type="datetimeFigureOut">
               <a:rPr lang="en-US" smtClean="0"/>
+              <a:t>2/23/2026</a:t>
             </a:fld>
             <a:endParaRPr lang="en-US"/>
           </a:p>
@@ -2477,6 +2449,7 @@
           <a:p>
             <a:fld id="{C1FF6DA9-008F-8B48-92A6-B652298478BF}" type="slidenum">
               <a:rPr lang="en-US" smtClean="0"/>
+              <a:t>‹#›</a:t>
             </a:fld>
             <a:endParaRPr lang="en-US"/>
           </a:p>
@@ -2524,6 +2497,7 @@
           <a:p>
             <a:fld id="{5BCAD085-E8A6-8845-BD4E-CB4CCA059FC4}" type="datetimeFigureOut">
               <a:rPr lang="en-US" smtClean="0"/>
+              <a:t>2/23/2026</a:t>
             </a:fld>
             <a:endParaRPr lang="en-US"/>
           </a:p>
@@ -2565,6 +2539,7 @@
           <a:p>
             <a:fld id="{C1FF6DA9-008F-8B48-92A6-B652298478BF}" type="slidenum">
               <a:rPr lang="en-US" smtClean="0"/>
+              <a:t>‹#›</a:t>
             </a:fld>
             <a:endParaRPr lang="en-US"/>
           </a:p>
@@ -2623,7 +2598,6 @@
               <a:rPr lang="en-US"/>
               <a:t>Click to edit Master title style</a:t>
             </a:r>
-            <a:endParaRPr lang="en-US"/>
           </a:p>
         </p:txBody>
       </p:sp>
@@ -2680,7 +2654,6 @@
               <a:rPr lang="en-US"/>
               <a:t>Click to edit Master text styles</a:t>
             </a:r>
-            <a:endParaRPr lang="en-US"/>
           </a:p>
           <a:p>
             <a:pPr lvl="1"/>
@@ -2688,7 +2661,6 @@
               <a:rPr lang="en-US"/>
               <a:t>Second level</a:t>
             </a:r>
-            <a:endParaRPr lang="en-US"/>
           </a:p>
           <a:p>
             <a:pPr lvl="2"/>
@@ -2696,7 +2668,6 @@
               <a:rPr lang="en-US"/>
               <a:t>Third level</a:t>
             </a:r>
-            <a:endParaRPr lang="en-US"/>
           </a:p>
           <a:p>
             <a:pPr lvl="3"/>
@@ -2704,7 +2675,6 @@
               <a:rPr lang="en-US"/>
               <a:t>Fourth level</a:t>
             </a:r>
-            <a:endParaRPr lang="en-US"/>
           </a:p>
           <a:p>
             <a:pPr lvl="4"/>
@@ -2712,7 +2682,6 @@
               <a:rPr lang="en-US"/>
               <a:t>Fifth level</a:t>
             </a:r>
-            <a:endParaRPr lang="en-US"/>
           </a:p>
         </p:txBody>
       </p:sp>
@@ -2778,7 +2747,6 @@
               <a:rPr lang="en-US"/>
               <a:t>Click to edit Master text styles</a:t>
             </a:r>
-            <a:endParaRPr lang="en-US"/>
           </a:p>
         </p:txBody>
       </p:sp>
@@ -2799,6 +2767,7 @@
           <a:p>
             <a:fld id="{5BCAD085-E8A6-8845-BD4E-CB4CCA059FC4}" type="datetimeFigureOut">
               <a:rPr lang="en-US" smtClean="0"/>
+              <a:t>2/23/2026</a:t>
             </a:fld>
             <a:endParaRPr lang="en-US"/>
           </a:p>
@@ -2840,6 +2809,7 @@
           <a:p>
             <a:fld id="{C1FF6DA9-008F-8B48-92A6-B652298478BF}" type="slidenum">
               <a:rPr lang="en-US" smtClean="0"/>
+              <a:t>‹#›</a:t>
             </a:fld>
             <a:endParaRPr lang="en-US"/>
           </a:p>
@@ -2898,7 +2868,6 @@
               <a:rPr lang="en-US"/>
               <a:t>Click to edit Master title style</a:t>
             </a:r>
-            <a:endParaRPr lang="en-US"/>
           </a:p>
         </p:txBody>
       </p:sp>
@@ -3025,7 +2994,6 @@
               <a:rPr lang="en-US"/>
               <a:t>Click to edit Master text styles</a:t>
             </a:r>
-            <a:endParaRPr lang="en-US"/>
           </a:p>
         </p:txBody>
       </p:sp>
@@ -3046,6 +3014,7 @@
           <a:p>
             <a:fld id="{5BCAD085-E8A6-8845-BD4E-CB4CCA059FC4}" type="datetimeFigureOut">
               <a:rPr lang="en-US" smtClean="0"/>
+              <a:t>2/23/2026</a:t>
             </a:fld>
             <a:endParaRPr lang="en-US"/>
           </a:p>
@@ -3087,6 +3056,7 @@
           <a:p>
             <a:fld id="{C1FF6DA9-008F-8B48-92A6-B652298478BF}" type="slidenum">
               <a:rPr lang="en-US" smtClean="0"/>
+              <a:t>‹#›</a:t>
             </a:fld>
             <a:endParaRPr lang="en-US"/>
           </a:p>
@@ -3151,7 +3121,6 @@
               <a:rPr lang="en-US"/>
               <a:t>Click to edit Master title style</a:t>
             </a:r>
-            <a:endParaRPr lang="en-US"/>
           </a:p>
         </p:txBody>
       </p:sp>
@@ -3185,7 +3154,6 @@
               <a:rPr lang="en-US"/>
               <a:t>Click to edit Master text styles</a:t>
             </a:r>
-            <a:endParaRPr lang="en-US"/>
           </a:p>
           <a:p>
             <a:pPr lvl="1"/>
@@ -3193,7 +3161,6 @@
               <a:rPr lang="en-US"/>
               <a:t>Second level</a:t>
             </a:r>
-            <a:endParaRPr lang="en-US"/>
           </a:p>
           <a:p>
             <a:pPr lvl="2"/>
@@ -3201,7 +3168,6 @@
               <a:rPr lang="en-US"/>
               <a:t>Third level</a:t>
             </a:r>
-            <a:endParaRPr lang="en-US"/>
           </a:p>
           <a:p>
             <a:pPr lvl="3"/>
@@ -3209,7 +3175,6 @@
               <a:rPr lang="en-US"/>
               <a:t>Fourth level</a:t>
             </a:r>
-            <a:endParaRPr lang="en-US"/>
           </a:p>
           <a:p>
             <a:pPr lvl="4"/>
@@ -3217,7 +3182,6 @@
               <a:rPr lang="en-US"/>
               <a:t>Fifth level</a:t>
             </a:r>
-            <a:endParaRPr lang="en-US"/>
           </a:p>
         </p:txBody>
       </p:sp>
@@ -3257,6 +3221,7 @@
           <a:p>
             <a:fld id="{5BCAD085-E8A6-8845-BD4E-CB4CCA059FC4}" type="datetimeFigureOut">
               <a:rPr lang="en-US" smtClean="0"/>
+              <a:t>2/23/2026</a:t>
             </a:fld>
             <a:endParaRPr lang="en-US"/>
           </a:p>
@@ -3336,6 +3301,7 @@
           <a:p>
             <a:fld id="{C1FF6DA9-008F-8B48-92A6-B652298478BF}" type="slidenum">
               <a:rPr lang="en-US" smtClean="0"/>
+              <a:t>‹#›</a:t>
             </a:fld>
             <a:endParaRPr lang="en-US"/>
           </a:p>
@@ -3688,11 +3654,6 @@
               </a:rPr>
               <a:t>Earth and Environmental Data Science</a:t>
             </a:r>
-            <a:endParaRPr lang="en-US" altLang="zh-CN" sz="2400" b="1" dirty="0">
-              <a:solidFill>
-                <a:schemeClr val="bg1"/>
-              </a:solidFill>
-            </a:endParaRPr>
           </a:p>
           <a:p>
             <a:pPr algn="ctr">
@@ -3724,11 +3685,6 @@
               </a:rPr>
               <a:t>Group 4</a:t>
             </a:r>
-            <a:endParaRPr lang="en-US" altLang="zh-CN" sz="2400" b="1" dirty="0">
-              <a:solidFill>
-                <a:schemeClr val="bg1"/>
-              </a:solidFill>
-            </a:endParaRPr>
           </a:p>
           <a:p>
             <a:pPr algn="ctr">
@@ -3808,11 +3764,6 @@
               </a:rPr>
               <a:t>Yuhui Duan</a:t>
             </a:r>
-            <a:endParaRPr lang="en-US" altLang="zh-CN" sz="2400" b="1" dirty="0">
-              <a:solidFill>
-                <a:schemeClr val="bg1"/>
-              </a:solidFill>
-            </a:endParaRPr>
           </a:p>
         </p:txBody>
       </p:sp>
@@ -3847,11 +3798,6 @@
               </a:rPr>
               <a:t>What Drives a Warming Climate? </a:t>
             </a:r>
-            <a:endParaRPr lang="en-GB" altLang="zh-CN" sz="3200" b="1" dirty="0">
-              <a:solidFill>
-                <a:srgbClr val="D4AF37"/>
-              </a:solidFill>
-            </a:endParaRPr>
           </a:p>
           <a:p>
             <a:pPr algn="ctr"/>
@@ -3863,11 +3809,6 @@
               </a:rPr>
               <a:t>Exploring the Physical Mechanisms Behind Regional Climate Change</a:t>
             </a:r>
-            <a:endParaRPr lang="en-GB" altLang="zh-CN" sz="3200" b="1" dirty="0">
-              <a:solidFill>
-                <a:srgbClr val="D4AF37"/>
-              </a:solidFill>
-            </a:endParaRPr>
           </a:p>
         </p:txBody>
       </p:sp>
@@ -3976,11 +3917,6 @@
               </a:rPr>
               <a:t>Temperature–QBOT Relationship</a:t>
             </a:r>
-            <a:endParaRPr lang="en-US" altLang="zh-CN" sz="2800" b="1" dirty="0">
-              <a:solidFill>
-                <a:srgbClr val="D4AF37"/>
-              </a:solidFill>
-            </a:endParaRPr>
           </a:p>
         </p:txBody>
       </p:sp>
@@ -4024,6 +3960,7 @@
           <a:lstStyle/>
           <a:p>
             <a:pPr algn="ctr"/>
+            <a:endParaRPr/>
           </a:p>
         </p:txBody>
       </p:sp>
@@ -4160,11 +4097,6 @@
               </a:rPr>
               <a:t>Scatter Regression Plot of Temperature vs. Specific Humidity (QBOT)</a:t>
             </a:r>
-            <a:endParaRPr lang="en-US" altLang="zh-CN">
-              <a:solidFill>
-                <a:schemeClr val="bg1"/>
-              </a:solidFill>
-            </a:endParaRPr>
           </a:p>
         </p:txBody>
       </p:sp>
@@ -4210,11 +4142,6 @@
               </a:rPr>
               <a:t> The actual water content (specific humidity) of the atmosphere shows a very close, synchronous increase with rising temperature.</a:t>
             </a:r>
-            <a:endParaRPr lang="en-US" altLang="zh-CN" dirty="0">
-              <a:solidFill>
-                <a:schemeClr val="bg1"/>
-              </a:solidFill>
-            </a:endParaRPr>
           </a:p>
           <a:p>
             <a:pPr indent="0">
@@ -4257,7 +4184,7 @@
           <p:nvPr/>
         </p:nvPicPr>
         <p:blipFill>
-          <a:blip r:embed="rId1"/>
+          <a:blip r:embed="rId2"/>
           <a:stretch>
             <a:fillRect/>
           </a:stretch>
@@ -4335,11 +4262,6 @@
               </a:rPr>
               <a:t>Conclusions and Key Findings</a:t>
             </a:r>
-            <a:endParaRPr lang="en-US" altLang="zh-CN" sz="2800" b="1" dirty="0">
-              <a:solidFill>
-                <a:srgbClr val="D4AF37"/>
-              </a:solidFill>
-            </a:endParaRPr>
           </a:p>
         </p:txBody>
       </p:sp>
@@ -4383,6 +4305,7 @@
           <a:lstStyle/>
           <a:p>
             <a:pPr algn="ctr"/>
+            <a:endParaRPr/>
           </a:p>
         </p:txBody>
       </p:sp>
@@ -4499,11 +4422,6 @@
               </a:rPr>
               <a:t>Evolution of the phenomenon: Warming and hydrological extremes</a:t>
             </a:r>
-            <a:endParaRPr kumimoji="1" lang="en-US" altLang="zh-CN" b="1" dirty="0">
-              <a:solidFill>
-                <a:schemeClr val="bg1"/>
-              </a:solidFill>
-            </a:endParaRPr>
           </a:p>
         </p:txBody>
       </p:sp>
@@ -4601,7 +4519,6 @@
               <a:rPr lang="en-US" altLang="zh-CN" dirty="0"/>
               <a:t>Summer mean temperatures show a significant upward trend, while precipitation does not exhibit a statistically significant long-term change but displays notable interannual variability.</a:t>
             </a:r>
-            <a:endParaRPr lang="en-US" altLang="zh-CN" dirty="0"/>
           </a:p>
         </p:txBody>
       </p:sp>
@@ -4718,11 +4635,6 @@
               </a:rPr>
               <a:t>Core Driver: Radiative Forcing</a:t>
             </a:r>
-            <a:endParaRPr kumimoji="1" lang="en-US" altLang="zh-CN" b="1" dirty="0">
-              <a:solidFill>
-                <a:schemeClr val="bg1"/>
-              </a:solidFill>
-            </a:endParaRPr>
           </a:p>
         </p:txBody>
       </p:sp>
@@ -4782,11 +4694,6 @@
               </a:rPr>
               <a:t>B</a:t>
             </a:r>
-            <a:endParaRPr kumimoji="1" lang="en-US" altLang="zh-CN" dirty="0">
-              <a:solidFill>
-                <a:schemeClr val="bg1"/>
-              </a:solidFill>
-            </a:endParaRPr>
           </a:p>
         </p:txBody>
       </p:sp>
@@ -4820,7 +4727,6 @@
               <a:rPr lang="en-US" altLang="zh-CN" dirty="0"/>
               <a:t>Enhanced net downward shortwave surface flux, largely controlled by atmospheric (cloud) variations, contributes to regional anomalous warming.(Loeb, Wang et al. 2019).</a:t>
             </a:r>
-            <a:endParaRPr lang="en-US" altLang="zh-CN" dirty="0"/>
           </a:p>
         </p:txBody>
       </p:sp>
@@ -4937,11 +4843,6 @@
               </a:rPr>
               <a:t>Mechanism Scale-Up: Thermodynamic Feedback</a:t>
             </a:r>
-            <a:endParaRPr kumimoji="1" lang="en-US" altLang="zh-CN" b="1" dirty="0">
-              <a:solidFill>
-                <a:schemeClr val="bg1"/>
-              </a:solidFill>
-            </a:endParaRPr>
           </a:p>
         </p:txBody>
       </p:sp>
@@ -5001,11 +4902,6 @@
               </a:rPr>
               <a:t>C</a:t>
             </a:r>
-            <a:endParaRPr kumimoji="1" lang="en-US" altLang="zh-CN" dirty="0">
-              <a:solidFill>
-                <a:schemeClr val="bg1"/>
-              </a:solidFill>
-            </a:endParaRPr>
           </a:p>
         </p:txBody>
       </p:sp>
@@ -5047,7 +4943,6 @@
               <a:rPr lang="en-US" altLang="zh-CN" dirty="0"/>
               <a:t>Gorman and Muller 2010).</a:t>
             </a:r>
-            <a:endParaRPr lang="en-US" altLang="zh-CN" dirty="0"/>
           </a:p>
         </p:txBody>
       </p:sp>
@@ -5164,11 +5059,6 @@
               </a:rPr>
               <a:t>Final Conclusion: The New Normal of Climate Change</a:t>
             </a:r>
-            <a:endParaRPr kumimoji="1" lang="en-US" altLang="zh-CN" b="1" dirty="0">
-              <a:solidFill>
-                <a:schemeClr val="bg1"/>
-              </a:solidFill>
-            </a:endParaRPr>
           </a:p>
         </p:txBody>
       </p:sp>
@@ -5228,11 +5118,6 @@
               </a:rPr>
               <a:t>D</a:t>
             </a:r>
-            <a:endParaRPr kumimoji="1" lang="en-US" altLang="zh-CN" dirty="0">
-              <a:solidFill>
-                <a:schemeClr val="bg1"/>
-              </a:solidFill>
-            </a:endParaRPr>
           </a:p>
         </p:txBody>
       </p:sp>
@@ -5266,7 +5151,6 @@
               <a:rPr lang="en-US" altLang="zh-CN" dirty="0"/>
               <a:t>Driven by rigorous thermodynamics, the region is irreversibly moving toward a high-energy climate state characterized by warmer, wetter, and more extreme fluctuations.</a:t>
             </a:r>
-            <a:endParaRPr lang="en-US" altLang="zh-CN" dirty="0"/>
           </a:p>
         </p:txBody>
       </p:sp>
@@ -5333,11 +5217,6 @@
               </a:rPr>
               <a:t>Reference</a:t>
             </a:r>
-            <a:endParaRPr lang="en-US" altLang="zh-CN" sz="2800" b="1" dirty="0">
-              <a:solidFill>
-                <a:srgbClr val="D4AF37"/>
-              </a:solidFill>
-            </a:endParaRPr>
           </a:p>
         </p:txBody>
       </p:sp>
@@ -5381,6 +5260,7 @@
           <a:lstStyle/>
           <a:p>
             <a:pPr algn="ctr"/>
+            <a:endParaRPr/>
           </a:p>
         </p:txBody>
       </p:sp>
@@ -5464,14 +5344,6 @@
               </a:rPr>
               <a:t>(16): 5003-5019.</a:t>
             </a:r>
-            <a:endParaRPr lang="en-US" altLang="zh-CN" sz="1800" dirty="0">
-              <a:solidFill>
-                <a:schemeClr val="bg1"/>
-              </a:solidFill>
-              <a:effectLst/>
-              <a:latin typeface="等线" panose="02010600030101010101" pitchFamily="2" charset="-122"/>
-              <a:cs typeface="Times New Roman" panose="02020603050405020304" pitchFamily="18" charset="0"/>
-            </a:endParaRPr>
           </a:p>
           <a:p>
             <a:pPr marL="342900" indent="-342900">
@@ -5488,14 +5360,6 @@
               </a:rPr>
               <a:t>Manabe, S. (2019). "Role of greenhouse gas in climate change." Tellus A: Dynamic Meteorology and Oceanography 71(1): 1620078.</a:t>
             </a:r>
-            <a:endParaRPr lang="en-US" altLang="zh-CN" sz="1800" dirty="0">
-              <a:solidFill>
-                <a:schemeClr val="bg1"/>
-              </a:solidFill>
-              <a:effectLst/>
-              <a:latin typeface="等线" panose="02010600030101010101" pitchFamily="2" charset="-122"/>
-              <a:cs typeface="Times New Roman" panose="02020603050405020304" pitchFamily="18" charset="0"/>
-            </a:endParaRPr>
           </a:p>
           <a:p>
             <a:pPr marL="342900" indent="-342900">
@@ -5747,13 +5611,6 @@
               </a:rPr>
               <a:t>(4): 351-363.</a:t>
             </a:r>
-            <a:endParaRPr lang="en-US" altLang="zh-CN" dirty="0">
-              <a:solidFill>
-                <a:schemeClr val="bg1"/>
-              </a:solidFill>
-              <a:latin typeface="等线" panose="02010600030101010101" pitchFamily="2" charset="-122"/>
-              <a:ea typeface="等线" panose="02010600030101010101" pitchFamily="2" charset="-122"/>
-            </a:endParaRPr>
           </a:p>
           <a:p>
             <a:pPr marL="342900" indent="-342900">
@@ -5810,13 +5667,6 @@
               </a:rPr>
               <a:t>(1): 113-137.</a:t>
             </a:r>
-            <a:endParaRPr lang="en-US" altLang="zh-CN" dirty="0">
-              <a:solidFill>
-                <a:schemeClr val="bg1"/>
-              </a:solidFill>
-              <a:latin typeface="等线" panose="02010600030101010101" pitchFamily="2" charset="-122"/>
-              <a:ea typeface="等线" panose="02010600030101010101" pitchFamily="2" charset="-122"/>
-            </a:endParaRPr>
           </a:p>
           <a:p>
             <a:pPr marL="342900" indent="-342900">
@@ -5873,13 +5723,6 @@
               </a:rPr>
               <a:t> C warming in CMIP6 models." Environmental Research Letters 19(1): 014018.</a:t>
             </a:r>
-            <a:endParaRPr lang="en-US" altLang="zh-CN" dirty="0">
-              <a:solidFill>
-                <a:schemeClr val="bg1"/>
-              </a:solidFill>
-              <a:latin typeface="等线" panose="02010600030101010101" pitchFamily="2" charset="-122"/>
-              <a:ea typeface="等线" panose="02010600030101010101" pitchFamily="2" charset="-122"/>
-            </a:endParaRPr>
           </a:p>
           <a:p>
             <a:pPr marL="342900" indent="-342900">
@@ -5896,13 +5739,6 @@
               </a:rPr>
               <a:t>Weilnhammer, V., et al. (2021). "Extreme weather events in europe and their health consequences–A systematic review." International Journal of Hygiene and Environmental Health 233: 113688.</a:t>
             </a:r>
-            <a:endParaRPr lang="en-US" altLang="zh-CN" dirty="0">
-              <a:solidFill>
-                <a:schemeClr val="bg1"/>
-              </a:solidFill>
-              <a:latin typeface="等线" panose="02010600030101010101" pitchFamily="2" charset="-122"/>
-              <a:ea typeface="等线" panose="02010600030101010101" pitchFamily="2" charset="-122"/>
-            </a:endParaRPr>
           </a:p>
         </p:txBody>
       </p:sp>
@@ -6017,6 +5853,7 @@
           <a:lstStyle/>
           <a:p>
             <a:pPr algn="ctr"/>
+            <a:endParaRPr/>
           </a:p>
         </p:txBody>
       </p:sp>
@@ -6039,9 +5876,27 @@
                 <a:tableStyleId>{2D7E745F-D0BE-4AB5-A735-7A81F4BE7858}</a:tableStyleId>
               </a:tblPr>
               <a:tblGrid>
-                <a:gridCol w="3001010"/>
-                <a:gridCol w="2019935"/>
-                <a:gridCol w="6040120"/>
+                <a:gridCol w="3001010">
+                  <a:extLst>
+                    <a:ext uri="{9D8B030D-6E8A-4147-A177-3AD203B41FA5}">
+                      <a16:colId xmlns:a16="http://schemas.microsoft.com/office/drawing/2014/main" val="20000"/>
+                    </a:ext>
+                  </a:extLst>
+                </a:gridCol>
+                <a:gridCol w="2019935">
+                  <a:extLst>
+                    <a:ext uri="{9D8B030D-6E8A-4147-A177-3AD203B41FA5}">
+                      <a16:colId xmlns:a16="http://schemas.microsoft.com/office/drawing/2014/main" val="20001"/>
+                    </a:ext>
+                  </a:extLst>
+                </a:gridCol>
+                <a:gridCol w="6040120">
+                  <a:extLst>
+                    <a:ext uri="{9D8B030D-6E8A-4147-A177-3AD203B41FA5}">
+                      <a16:colId xmlns:a16="http://schemas.microsoft.com/office/drawing/2014/main" val="20002"/>
+                    </a:ext>
+                  </a:extLst>
+                </a:gridCol>
               </a:tblGrid>
               <a:tr h="864870">
                 <a:tc>
@@ -6064,12 +5919,6 @@
                         </a:rPr>
                         <a:t>Group members</a:t>
                       </a:r>
-                      <a:endParaRPr lang="en-US" sz="1800" u="none" strike="noStrike" spc="130" dirty="0">
-                        <a:solidFill>
-                          <a:schemeClr val="tx1"/>
-                        </a:solidFill>
-                        <a:effectLst/>
-                      </a:endParaRPr>
                     </a:p>
                   </a:txBody>
                   <a:tcPr marL="254000" marR="254000" marT="177800" marB="177800" anchor="ctr"/>
@@ -6094,12 +5943,6 @@
                         </a:rPr>
                         <a:t>Student ID</a:t>
                       </a:r>
-                      <a:endParaRPr lang="en-US" sz="1800" u="none" strike="noStrike" spc="130" dirty="0">
-                        <a:solidFill>
-                          <a:schemeClr val="tx1"/>
-                        </a:solidFill>
-                        <a:effectLst/>
-                      </a:endParaRPr>
                     </a:p>
                   </a:txBody>
                   <a:tcPr marL="254000" marR="254000" marT="177800" marB="177800" anchor="ctr"/>
@@ -6124,16 +5967,15 @@
                         </a:rPr>
                         <a:t>Main responsibilities</a:t>
                       </a:r>
-                      <a:endParaRPr lang="en-US" sz="1800" u="none" strike="noStrike" spc="130" dirty="0">
-                        <a:solidFill>
-                          <a:schemeClr val="tx1"/>
-                        </a:solidFill>
-                        <a:effectLst/>
-                      </a:endParaRPr>
                     </a:p>
                   </a:txBody>
                   <a:tcPr marL="254000" marR="254000" marT="177800" marB="177800" anchor="ctr"/>
                 </a:tc>
+                <a:extLst>
+                  <a:ext uri="{0D108BD9-81ED-4DB2-BD59-A6C34878D82A}">
+                    <a16:rowId xmlns:a16="http://schemas.microsoft.com/office/drawing/2014/main" val="10000"/>
+                  </a:ext>
+                </a:extLst>
               </a:tr>
               <a:tr h="1188085">
                 <a:tc>
@@ -6153,9 +5995,6 @@
                         </a:rPr>
                         <a:t>Ruiqi Huang</a:t>
                       </a:r>
-                      <a:endParaRPr lang="en-GB" sz="1600" u="none" strike="noStrike">
-                        <a:effectLst/>
-                      </a:endParaRPr>
                     </a:p>
                   </a:txBody>
                   <a:tcPr marL="254000" marR="254000" marT="177800" marB="177800" anchor="ctr"/>
@@ -6177,9 +6016,6 @@
                         </a:rPr>
                         <a:t>14180111</a:t>
                       </a:r>
-                      <a:endParaRPr lang="en-US" altLang="zh-CN" sz="1600" u="none" strike="noStrike" dirty="0">
-                        <a:effectLst/>
-                      </a:endParaRPr>
                     </a:p>
                   </a:txBody>
                   <a:tcPr marL="254000" marR="254000" marT="177800" marB="177800" anchor="ctr"/>
@@ -6201,13 +6037,15 @@
                         </a:rPr>
                         <a:t>Drawing annual trend charts and scatter plots, integrating code, writing README, and creating PPT presentations.</a:t>
                       </a:r>
-                      <a:endParaRPr lang="en-US" sz="1600" u="none" strike="noStrike" dirty="0">
-                        <a:effectLst/>
-                      </a:endParaRPr>
                     </a:p>
                   </a:txBody>
                   <a:tcPr marL="254000" marR="254000" marT="177800" marB="177800" anchor="ctr"/>
                 </a:tc>
+                <a:extLst>
+                  <a:ext uri="{0D108BD9-81ED-4DB2-BD59-A6C34878D82A}">
+                    <a16:rowId xmlns:a16="http://schemas.microsoft.com/office/drawing/2014/main" val="10001"/>
+                  </a:ext>
+                </a:extLst>
               </a:tr>
               <a:tr h="1187450">
                 <a:tc>
@@ -6227,9 +6065,6 @@
                         </a:rPr>
                         <a:t>Kedi Li</a:t>
                       </a:r>
-                      <a:endParaRPr lang="en-GB" sz="1600" u="none" strike="noStrike">
-                        <a:effectLst/>
-                      </a:endParaRPr>
                     </a:p>
                   </a:txBody>
                   <a:tcPr marL="254000" marR="254000" marT="177800" marB="177800" anchor="ctr"/>
@@ -6287,13 +6122,15 @@
                         </a:rPr>
                         <a:t> a PowerPoint presentation.</a:t>
                       </a:r>
-                      <a:endParaRPr lang="en-US" sz="1600" u="none" strike="noStrike" dirty="0">
-                        <a:effectLst/>
-                      </a:endParaRPr>
                     </a:p>
                   </a:txBody>
                   <a:tcPr marL="254000" marR="254000" marT="177800" marB="177800" anchor="ctr"/>
                 </a:tc>
+                <a:extLst>
+                  <a:ext uri="{0D108BD9-81ED-4DB2-BD59-A6C34878D82A}">
+                    <a16:rowId xmlns:a16="http://schemas.microsoft.com/office/drawing/2014/main" val="10002"/>
+                  </a:ext>
+                </a:extLst>
               </a:tr>
               <a:tr h="1188085">
                 <a:tc>
@@ -6313,9 +6150,6 @@
                         </a:rPr>
                         <a:t>Yuhui Duan</a:t>
                       </a:r>
-                      <a:endParaRPr lang="en-GB" sz="1600" u="none" strike="noStrike">
-                        <a:effectLst/>
-                      </a:endParaRPr>
                     </a:p>
                   </a:txBody>
                   <a:tcPr marL="254000" marR="254000" marT="177800" marB="177800" anchor="ctr"/>
@@ -6361,13 +6195,15 @@
                         </a:rPr>
                         <a:t>Drawing a correlation matrix and creating a PowerPoint presentation.</a:t>
                       </a:r>
-                      <a:endParaRPr lang="en-US" sz="1600" u="none" strike="noStrike" dirty="0">
-                        <a:effectLst/>
-                      </a:endParaRPr>
                     </a:p>
                   </a:txBody>
                   <a:tcPr marL="254000" marR="254000" marT="177800" marB="177800" anchor="ctr"/>
                 </a:tc>
+                <a:extLst>
+                  <a:ext uri="{0D108BD9-81ED-4DB2-BD59-A6C34878D82A}">
+                    <a16:rowId xmlns:a16="http://schemas.microsoft.com/office/drawing/2014/main" val="10003"/>
+                  </a:ext>
+                </a:extLst>
               </a:tr>
             </a:tbl>
           </a:graphicData>
@@ -6441,7 +6277,7 @@
         <p:spPr>
           <a:xfrm>
             <a:off x="3015161" y="108404"/>
-            <a:ext cx="6526258" cy="686616"/>
+            <a:ext cx="7672504" cy="686616"/>
           </a:xfrm>
           <a:prstGeom prst="rect">
             <a:avLst/>
@@ -6478,7 +6314,7 @@
               </a:rPr>
               <a:t>Research Question</a:t>
             </a:r>
-            <a:endParaRPr lang="en-US" altLang="zh-CN" sz="3200" b="1">
+            <a:endParaRPr lang="en-US" altLang="zh-CN" sz="3200" b="1" dirty="0">
               <a:solidFill>
                 <a:srgbClr val="FFC000"/>
               </a:solidFill>
@@ -6495,7 +6331,7 @@
           <p:nvPr/>
         </p:nvPicPr>
         <p:blipFill>
-          <a:blip r:embed="rId1"/>
+          <a:blip r:embed="rId2"/>
           <a:stretch>
             <a:fillRect/>
           </a:stretch>
@@ -6604,11 +6440,6 @@
               </a:rPr>
               <a:t>, UK, in northwest England , near Manchester and Liverpool..</a:t>
             </a:r>
-            <a:endParaRPr lang="en-US" altLang="zh-CN" dirty="0">
-              <a:solidFill>
-                <a:srgbClr val="D4AF37"/>
-              </a:solidFill>
-            </a:endParaRPr>
           </a:p>
         </p:txBody>
       </p:sp>
@@ -6658,6 +6489,50 @@
               </a:rPr>
               <a:t>. </a:t>
             </a:r>
+          </a:p>
+          <a:p>
+            <a:r>
+              <a:rPr lang="en-US" altLang="zh-CN" dirty="0">
+                <a:solidFill>
+                  <a:schemeClr val="bg1"/>
+                </a:solidFill>
+              </a:rPr>
+              <a:t>The climate is mild and humid year-round (</a:t>
+            </a:r>
+            <a:r>
+              <a:rPr lang="en-US" altLang="zh-CN" dirty="0" err="1">
+                <a:solidFill>
+                  <a:schemeClr val="bg1"/>
+                </a:solidFill>
+              </a:rPr>
+              <a:t>Minobe</a:t>
+            </a:r>
+            <a:r>
+              <a:rPr lang="en-US" altLang="zh-CN" dirty="0">
+                <a:solidFill>
+                  <a:schemeClr val="bg1"/>
+                </a:solidFill>
+              </a:rPr>
+              <a:t>, </a:t>
+            </a:r>
+            <a:r>
+              <a:rPr lang="en-US" altLang="zh-CN" dirty="0" err="1">
+                <a:solidFill>
+                  <a:schemeClr val="bg1"/>
+                </a:solidFill>
+              </a:rPr>
+              <a:t>Kuwano</a:t>
+            </a:r>
+            <a:r>
+              <a:rPr lang="en-US" altLang="zh-CN" dirty="0">
+                <a:solidFill>
+                  <a:schemeClr val="bg1"/>
+                </a:solidFill>
+              </a:rPr>
+              <a:t>-Yoshida et al. 2008, Palter 2015).</a:t>
+            </a:r>
+          </a:p>
+          <a:p>
             <a:endParaRPr lang="en-US" altLang="zh-CN" dirty="0">
               <a:solidFill>
                 <a:schemeClr val="bg1"/>
@@ -6671,67 +6546,8 @@
                   <a:schemeClr val="bg1"/>
                 </a:solidFill>
               </a:rPr>
-              <a:t>The climate is mild and humid year-round (</a:t>
-            </a:r>
-            <a:r>
-              <a:rPr lang="en-US" altLang="zh-CN" dirty="0" err="1">
-                <a:solidFill>
-                  <a:schemeClr val="bg1"/>
-                </a:solidFill>
-              </a:rPr>
-              <a:t>Minobe</a:t>
-            </a:r>
-            <a:r>
-              <a:rPr lang="en-US" altLang="zh-CN" dirty="0">
-                <a:solidFill>
-                  <a:schemeClr val="bg1"/>
-                </a:solidFill>
-              </a:rPr>
-              <a:t>, </a:t>
-            </a:r>
-            <a:r>
-              <a:rPr lang="en-US" altLang="zh-CN" dirty="0" err="1">
-                <a:solidFill>
-                  <a:schemeClr val="bg1"/>
-                </a:solidFill>
-              </a:rPr>
-              <a:t>Kuwano</a:t>
-            </a:r>
-            <a:r>
-              <a:rPr lang="en-US" altLang="zh-CN" dirty="0">
-                <a:solidFill>
-                  <a:schemeClr val="bg1"/>
-                </a:solidFill>
-              </a:rPr>
-              <a:t>-Yoshida et al. 2008, Palter 2015).</a:t>
-            </a:r>
-            <a:endParaRPr lang="en-US" altLang="zh-CN" dirty="0">
-              <a:solidFill>
-                <a:schemeClr val="bg1"/>
-              </a:solidFill>
-            </a:endParaRPr>
-          </a:p>
-          <a:p>
-            <a:endParaRPr lang="en-US" altLang="zh-CN" dirty="0">
-              <a:solidFill>
-                <a:schemeClr val="bg1"/>
-              </a:solidFill>
-            </a:endParaRPr>
-          </a:p>
-          <a:p>
-            <a:r>
-              <a:rPr lang="en-US" altLang="zh-CN" dirty="0">
-                <a:solidFill>
-                  <a:schemeClr val="bg1"/>
-                </a:solidFill>
-              </a:rPr>
               <a:t>However, the frequence of extreme weathers events are increasing in europe (Weilnhammer, Schmid et al. 2021)</a:t>
             </a:r>
-            <a:endParaRPr lang="en-US" altLang="zh-CN" dirty="0">
-              <a:solidFill>
-                <a:schemeClr val="bg1"/>
-              </a:solidFill>
-            </a:endParaRPr>
           </a:p>
         </p:txBody>
       </p:sp>
@@ -6835,6 +6651,7 @@
           <a:lstStyle/>
           <a:p>
             <a:pPr algn="ctr"/>
+            <a:endParaRPr/>
           </a:p>
         </p:txBody>
       </p:sp>
@@ -6869,11 +6686,6 @@
               </a:rPr>
               <a:t>How does the weather change with time, </a:t>
             </a:r>
-            <a:endParaRPr lang="en-US" altLang="zh-CN" sz="3200" b="1" dirty="0">
-              <a:solidFill>
-                <a:schemeClr val="bg1"/>
-              </a:solidFill>
-            </a:endParaRPr>
           </a:p>
           <a:p>
             <a:pPr algn="ctr"/>
@@ -6885,11 +6697,6 @@
               </a:rPr>
               <a:t>and their potential controlling factors?</a:t>
             </a:r>
-            <a:endParaRPr lang="en-US" altLang="zh-CN" sz="3200" b="1" dirty="0">
-              <a:solidFill>
-                <a:schemeClr val="bg1"/>
-              </a:solidFill>
-            </a:endParaRPr>
           </a:p>
         </p:txBody>
       </p:sp>
@@ -6956,11 +6763,6 @@
               </a:rPr>
               <a:t>Trend Analysis——Temperature Trend &amp; Seasonal Distribution</a:t>
             </a:r>
-            <a:endParaRPr lang="en-GB" altLang="zh-CN" sz="2800" b="1" dirty="0">
-              <a:solidFill>
-                <a:srgbClr val="D4AF37"/>
-              </a:solidFill>
-            </a:endParaRPr>
           </a:p>
         </p:txBody>
       </p:sp>
@@ -7004,6 +6806,7 @@
           <a:lstStyle/>
           <a:p>
             <a:pPr algn="ctr"/>
+            <a:endParaRPr/>
           </a:p>
         </p:txBody>
       </p:sp>
@@ -7140,11 +6943,6 @@
               </a:rPr>
               <a:t>Temperature Trend Line Plot</a:t>
             </a:r>
-            <a:endParaRPr lang="en-US" altLang="zh-CN">
-              <a:solidFill>
-                <a:schemeClr val="bg1"/>
-              </a:solidFill>
-            </a:endParaRPr>
           </a:p>
         </p:txBody>
       </p:sp>
@@ -7182,11 +6980,6 @@
               </a:rPr>
               <a:t>Key findings:</a:t>
             </a:r>
-            <a:endParaRPr lang="en-US" altLang="zh-CN" b="1" dirty="0">
-              <a:solidFill>
-                <a:schemeClr val="bg1"/>
-              </a:solidFill>
-            </a:endParaRPr>
           </a:p>
           <a:p>
             <a:pPr indent="0">
@@ -7201,6 +6994,84 @@
               </a:rPr>
               <a:t>The data shows a significant upward trend in linear regression.</a:t>
             </a:r>
+          </a:p>
+          <a:p>
+            <a:pPr indent="0">
+              <a:buFont typeface="Wingdings" panose="05000000000000000000" charset="0"/>
+              <a:buNone/>
+            </a:pPr>
+            <a:r>
+              <a:rPr lang="en-US" altLang="zh-CN" dirty="0">
+                <a:solidFill>
+                  <a:schemeClr val="bg1"/>
+                </a:solidFill>
+              </a:rPr>
+              <a:t>•  Mean annual temperature: 10–13.5</a:t>
+            </a:r>
+            <a:r>
+              <a:rPr lang="en-US" altLang="en-US" dirty="0">
+                <a:solidFill>
+                  <a:schemeClr val="bg1"/>
+                </a:solidFill>
+              </a:rPr>
+              <a:t>°</a:t>
+            </a:r>
+            <a:r>
+              <a:rPr lang="en-US" altLang="zh-CN" dirty="0">
+                <a:solidFill>
+                  <a:schemeClr val="bg1"/>
+                </a:solidFill>
+              </a:rPr>
+              <a:t>C</a:t>
+            </a:r>
+            <a:br>
+              <a:rPr lang="en-US" altLang="zh-CN" dirty="0">
+                <a:solidFill>
+                  <a:schemeClr val="bg1"/>
+                </a:solidFill>
+              </a:rPr>
+            </a:br>
+            <a:r>
+              <a:rPr lang="en-US" altLang="zh-CN" dirty="0">
+                <a:solidFill>
+                  <a:schemeClr val="bg1"/>
+                </a:solidFill>
+              </a:rPr>
+              <a:t>•  Strong upward trend (R ≈ 0.92)</a:t>
+            </a:r>
+            <a:br>
+              <a:rPr lang="en-US" altLang="zh-CN" dirty="0">
+                <a:solidFill>
+                  <a:schemeClr val="bg1"/>
+                </a:solidFill>
+              </a:rPr>
+            </a:br>
+            <a:r>
+              <a:rPr lang="en-US" altLang="zh-CN" dirty="0">
+                <a:solidFill>
+                  <a:schemeClr val="bg1"/>
+                </a:solidFill>
+              </a:rPr>
+              <a:t>•  Approx. 0.4</a:t>
+            </a:r>
+            <a:r>
+              <a:rPr lang="en-US" altLang="en-US" dirty="0">
+                <a:solidFill>
+                  <a:schemeClr val="bg1"/>
+                </a:solidFill>
+              </a:rPr>
+              <a:t>°</a:t>
+            </a:r>
+            <a:r>
+              <a:rPr lang="en-US" altLang="zh-CN" dirty="0">
+                <a:solidFill>
+                  <a:schemeClr val="bg1"/>
+                </a:solidFill>
+              </a:rPr>
+              <a:t>C per decade</a:t>
+            </a:r>
+          </a:p>
+          <a:p>
             <a:endParaRPr lang="en-US" altLang="zh-CN" dirty="0">
               <a:solidFill>
                 <a:schemeClr val="bg1"/>
@@ -7208,94 +7079,6 @@
             </a:endParaRPr>
           </a:p>
           <a:p>
-            <a:pPr indent="0">
-              <a:buFont typeface="Wingdings" panose="05000000000000000000" charset="0"/>
-              <a:buNone/>
-            </a:pPr>
-            <a:r>
-              <a:rPr lang="en-US" altLang="zh-CN" dirty="0">
-                <a:solidFill>
-                  <a:schemeClr val="bg1"/>
-                </a:solidFill>
-              </a:rPr>
-              <a:t>•  Mean annual temperature: 10–13.5</a:t>
-            </a:r>
-            <a:r>
-              <a:rPr lang="en-US" altLang="en-US" dirty="0">
-                <a:solidFill>
-                  <a:schemeClr val="bg1"/>
-                </a:solidFill>
-              </a:rPr>
-              <a:t>°</a:t>
-            </a:r>
-            <a:r>
-              <a:rPr lang="en-US" altLang="zh-CN" dirty="0">
-                <a:solidFill>
-                  <a:schemeClr val="bg1"/>
-                </a:solidFill>
-              </a:rPr>
-              <a:t>C</a:t>
-            </a:r>
-            <a:br>
-              <a:rPr lang="en-US" altLang="zh-CN" dirty="0">
-                <a:solidFill>
-                  <a:schemeClr val="bg1"/>
-                </a:solidFill>
-              </a:rPr>
-            </a:br>
-            <a:r>
-              <a:rPr lang="en-US" altLang="zh-CN" dirty="0">
-                <a:solidFill>
-                  <a:schemeClr val="bg1"/>
-                </a:solidFill>
-              </a:rPr>
-              <a:t>•  Strong upward trend (R ≈ 0.92)</a:t>
-            </a:r>
-            <a:br>
-              <a:rPr lang="en-US" altLang="zh-CN" dirty="0">
-                <a:solidFill>
-                  <a:schemeClr val="bg1"/>
-                </a:solidFill>
-              </a:rPr>
-            </a:br>
-            <a:r>
-              <a:rPr lang="en-US" altLang="zh-CN" dirty="0">
-                <a:solidFill>
-                  <a:schemeClr val="bg1"/>
-                </a:solidFill>
-              </a:rPr>
-              <a:t>•  Approx. 0.4</a:t>
-            </a:r>
-            <a:r>
-              <a:rPr lang="en-US" altLang="en-US" dirty="0">
-                <a:solidFill>
-                  <a:schemeClr val="bg1"/>
-                </a:solidFill>
-              </a:rPr>
-              <a:t>°</a:t>
-            </a:r>
-            <a:r>
-              <a:rPr lang="en-US" altLang="zh-CN" dirty="0">
-                <a:solidFill>
-                  <a:schemeClr val="bg1"/>
-                </a:solidFill>
-              </a:rPr>
-              <a:t>C per decade</a:t>
-            </a:r>
-            <a:endParaRPr lang="en-US" altLang="zh-CN" dirty="0">
-              <a:solidFill>
-                <a:schemeClr val="bg1"/>
-              </a:solidFill>
-            </a:endParaRPr>
-          </a:p>
-          <a:p>
-            <a:endParaRPr lang="en-US" altLang="zh-CN" dirty="0">
-              <a:solidFill>
-                <a:schemeClr val="bg1"/>
-              </a:solidFill>
-            </a:endParaRPr>
-          </a:p>
-          <a:p>
             <a:r>
               <a:rPr lang="en-US" altLang="zh-CN" b="1" dirty="0">
                 <a:solidFill>
@@ -7304,11 +7087,6 @@
               </a:rPr>
               <a:t>Physical significance:</a:t>
             </a:r>
-            <a:endParaRPr lang="en-US" altLang="zh-CN" b="1" dirty="0">
-              <a:solidFill>
-                <a:schemeClr val="bg1"/>
-              </a:solidFill>
-            </a:endParaRPr>
           </a:p>
           <a:p>
             <a:pPr indent="0">
@@ -7322,11 +7100,6 @@
               </a:rPr>
               <a:t>•  The region is experiencing long-term climate warming</a:t>
             </a:r>
-            <a:endParaRPr lang="en-US" altLang="zh-CN" dirty="0">
-              <a:solidFill>
-                <a:schemeClr val="bg1"/>
-              </a:solidFill>
-            </a:endParaRPr>
           </a:p>
           <a:p>
             <a:pPr indent="0">
@@ -7340,11 +7113,6 @@
               </a:rPr>
               <a:t>•  Showing the potential influence of greenhouse effect (Manabe 2019).</a:t>
             </a:r>
-            <a:endParaRPr lang="en-US" altLang="zh-CN" dirty="0">
-              <a:solidFill>
-                <a:schemeClr val="bg1"/>
-              </a:solidFill>
-            </a:endParaRPr>
           </a:p>
         </p:txBody>
       </p:sp>
@@ -7395,7 +7163,7 @@
           <p:nvPr/>
         </p:nvPicPr>
         <p:blipFill>
-          <a:blip r:embed="rId1"/>
+          <a:blip r:embed="rId2"/>
           <a:stretch>
             <a:fillRect/>
           </a:stretch>
@@ -7511,11 +7279,6 @@
               </a:rPr>
               <a:t>Trend Analysis——Temperature Trend &amp; Seasonal Distribution</a:t>
             </a:r>
-            <a:endParaRPr lang="en-GB" altLang="zh-CN" sz="2800" b="1" dirty="0">
-              <a:solidFill>
-                <a:srgbClr val="D4AF37"/>
-              </a:solidFill>
-            </a:endParaRPr>
           </a:p>
         </p:txBody>
       </p:sp>
@@ -7559,6 +7322,7 @@
           <a:lstStyle/>
           <a:p>
             <a:pPr algn="ctr"/>
+            <a:endParaRPr/>
           </a:p>
         </p:txBody>
       </p:sp>
@@ -7695,11 +7459,6 @@
               </a:rPr>
               <a:t>Heatmap of Monthly Mean Temperature</a:t>
             </a:r>
-            <a:endParaRPr lang="en-US" altLang="zh-CN">
-              <a:solidFill>
-                <a:schemeClr val="bg1"/>
-              </a:solidFill>
-            </a:endParaRPr>
           </a:p>
         </p:txBody>
       </p:sp>
@@ -7737,11 +7496,6 @@
               </a:rPr>
               <a:t>Key findings:</a:t>
             </a:r>
-            <a:endParaRPr lang="en-US" altLang="zh-CN" b="1" dirty="0">
-              <a:solidFill>
-                <a:schemeClr val="bg1"/>
-              </a:solidFill>
-            </a:endParaRPr>
           </a:p>
           <a:p>
             <a:pPr indent="0">
@@ -7756,11 +7510,6 @@
               </a:rPr>
               <a:t>•  In the mid-to-late 21st century, “deep red spots” (extreme high temperatures) frequently appear in summer.</a:t>
             </a:r>
-            <a:endParaRPr lang="en-US" altLang="zh-CN" dirty="0">
-              <a:solidFill>
-                <a:schemeClr val="bg1"/>
-              </a:solidFill>
-            </a:endParaRPr>
           </a:p>
           <a:p>
             <a:pPr indent="0">
@@ -7775,11 +7524,6 @@
               </a:rPr>
               <a:t>•  The frequency and intensity increase over time</a:t>
             </a:r>
-            <a:endParaRPr lang="en-US" altLang="zh-CN" dirty="0">
-              <a:solidFill>
-                <a:schemeClr val="bg1"/>
-              </a:solidFill>
-            </a:endParaRPr>
           </a:p>
           <a:p>
             <a:pPr indent="0">
@@ -7805,11 +7549,6 @@
               </a:rPr>
               <a:t>Physical significance:</a:t>
             </a:r>
-            <a:endParaRPr lang="en-US" altLang="zh-CN" b="1" dirty="0">
-              <a:solidFill>
-                <a:schemeClr val="bg1"/>
-              </a:solidFill>
-            </a:endParaRPr>
           </a:p>
           <a:p>
             <a:pPr indent="0">
@@ -7824,11 +7563,6 @@
               </a:rPr>
               <a:t>•  Non-uniform global warming</a:t>
             </a:r>
-            <a:endParaRPr lang="en-US" altLang="zh-CN" dirty="0">
-              <a:solidFill>
-                <a:schemeClr val="bg1"/>
-              </a:solidFill>
-            </a:endParaRPr>
           </a:p>
           <a:p>
             <a:pPr indent="0">
@@ -7843,11 +7577,6 @@
               </a:rPr>
               <a:t>•  Regional seasonal climate structures may potentially being reshaped (Qin, Xie et al. 2024).</a:t>
             </a:r>
-            <a:endParaRPr lang="en-US" altLang="zh-CN" dirty="0">
-              <a:solidFill>
-                <a:schemeClr val="bg1"/>
-              </a:solidFill>
-            </a:endParaRPr>
           </a:p>
         </p:txBody>
       </p:sp>
@@ -7860,7 +7589,7 @@
           <p:nvPr/>
         </p:nvPicPr>
         <p:blipFill>
-          <a:blip r:embed="rId1"/>
+          <a:blip r:embed="rId2"/>
           <a:srcRect b="1122"/>
           <a:stretch>
             <a:fillRect/>
@@ -8012,11 +7741,6 @@
               </a:rPr>
               <a:t>Precipitation Trend &amp; Seasonal Distribution</a:t>
             </a:r>
-            <a:endParaRPr lang="en-US" altLang="zh-CN" sz="2800" b="1" dirty="0">
-              <a:solidFill>
-                <a:srgbClr val="D4AF37"/>
-              </a:solidFill>
-            </a:endParaRPr>
           </a:p>
         </p:txBody>
       </p:sp>
@@ -8060,6 +7784,7 @@
           <a:lstStyle/>
           <a:p>
             <a:pPr algn="ctr"/>
+            <a:endParaRPr/>
           </a:p>
         </p:txBody>
       </p:sp>
@@ -8072,7 +7797,7 @@
           <p:nvPr/>
         </p:nvPicPr>
         <p:blipFill>
-          <a:blip r:embed="rId1"/>
+          <a:blip r:embed="rId2"/>
           <a:stretch>
             <a:fillRect/>
           </a:stretch>
@@ -8220,11 +7945,6 @@
               </a:rPr>
               <a:t>Precipitation Trend Line Plot</a:t>
             </a:r>
-            <a:endParaRPr lang="en-US" altLang="zh-CN">
-              <a:solidFill>
-                <a:schemeClr val="bg1"/>
-              </a:solidFill>
-            </a:endParaRPr>
           </a:p>
         </p:txBody>
       </p:sp>
@@ -8270,11 +7990,6 @@
               </a:rPr>
               <a:t> The line shows sharp, jagged oscillations, lacking a smooth, monotonous trend.</a:t>
             </a:r>
-            <a:endParaRPr lang="en-US" altLang="zh-CN" dirty="0">
-              <a:solidFill>
-                <a:schemeClr val="bg1"/>
-              </a:solidFill>
-            </a:endParaRPr>
           </a:p>
           <a:p>
             <a:pPr indent="0">
@@ -8308,11 +8023,6 @@
               </a:rPr>
               <a:t> This illustrates that precipitation systems exhibit extremely high interannual variability and inherent uncertainty.</a:t>
             </a:r>
-            <a:endParaRPr lang="en-US" altLang="zh-CN" dirty="0">
-              <a:solidFill>
-                <a:schemeClr val="bg1"/>
-              </a:solidFill>
-            </a:endParaRPr>
           </a:p>
         </p:txBody>
       </p:sp>
@@ -8413,11 +8123,6 @@
               </a:rPr>
               <a:t>Precipitation Trend &amp; Seasonal Distribution</a:t>
             </a:r>
-            <a:endParaRPr lang="en-US" altLang="zh-CN" sz="2800" b="1" dirty="0">
-              <a:solidFill>
-                <a:srgbClr val="D4AF37"/>
-              </a:solidFill>
-            </a:endParaRPr>
           </a:p>
         </p:txBody>
       </p:sp>
@@ -8461,6 +8166,7 @@
           <a:lstStyle/>
           <a:p>
             <a:pPr algn="ctr"/>
+            <a:endParaRPr/>
           </a:p>
         </p:txBody>
       </p:sp>
@@ -8648,11 +8354,6 @@
               </a:rPr>
               <a:t> Clearly outlines the local precipitation pattern of "more rain in autumn and winter, and relatively less rain in spring and summer".</a:t>
             </a:r>
-            <a:endParaRPr lang="en-US" altLang="zh-CN" dirty="0">
-              <a:solidFill>
-                <a:schemeClr val="bg1"/>
-              </a:solidFill>
-            </a:endParaRPr>
           </a:p>
           <a:p>
             <a:pPr indent="0">
@@ -8686,11 +8387,6 @@
               </a:rPr>
               <a:t> As shown in the temperature thermogram, the combination of "extreme high temperatures in summer" and "relatively low precipitation" will significantly increase the risk of seasonal drought in the region.</a:t>
             </a:r>
-            <a:endParaRPr lang="en-US" altLang="zh-CN" dirty="0">
-              <a:solidFill>
-                <a:schemeClr val="bg1"/>
-              </a:solidFill>
-            </a:endParaRPr>
           </a:p>
         </p:txBody>
       </p:sp>
@@ -8703,7 +8399,7 @@
           <p:nvPr/>
         </p:nvPicPr>
         <p:blipFill>
-          <a:blip r:embed="rId1"/>
+          <a:blip r:embed="rId2"/>
           <a:stretch>
             <a:fillRect/>
           </a:stretch>
@@ -8815,11 +8511,6 @@
               </a:rPr>
               <a:t>Surface Net Shortwave Radiation Trend (FSNS)</a:t>
             </a:r>
-            <a:endParaRPr lang="en-US" altLang="zh-CN" sz="2800" b="1" dirty="0">
-              <a:solidFill>
-                <a:srgbClr val="D4AF37"/>
-              </a:solidFill>
-            </a:endParaRPr>
           </a:p>
         </p:txBody>
       </p:sp>
@@ -8863,6 +8554,7 @@
           <a:lstStyle/>
           <a:p>
             <a:pPr algn="ctr"/>
+            <a:endParaRPr/>
           </a:p>
         </p:txBody>
       </p:sp>
@@ -8999,11 +8691,6 @@
               </a:rPr>
               <a:t>Radiation Trend Line Plot</a:t>
             </a:r>
-            <a:endParaRPr lang="en-US" altLang="zh-CN">
-              <a:solidFill>
-                <a:schemeClr val="bg1"/>
-              </a:solidFill>
-            </a:endParaRPr>
           </a:p>
         </p:txBody>
       </p:sp>
@@ -9049,11 +8736,6 @@
               </a:rPr>
               <a:t> Tracked the changing trajectory of solar energy as it penetrates the atmosphere to reach the Earth's surface.</a:t>
             </a:r>
-            <a:endParaRPr lang="en-US" altLang="zh-CN" dirty="0">
-              <a:solidFill>
-                <a:schemeClr val="bg1"/>
-              </a:solidFill>
-            </a:endParaRPr>
           </a:p>
           <a:p>
             <a:pPr indent="0">
@@ -9087,11 +8769,6 @@
               </a:rPr>
               <a:t> Fluctuations in radiation are directly affected by local cloud cover and atmospheric transparency, serving as the direct "fuel" and energy source driving abnormal fluctuations in surface temperature.</a:t>
             </a:r>
-            <a:endParaRPr lang="en-US" altLang="zh-CN" dirty="0">
-              <a:solidFill>
-                <a:schemeClr val="bg1"/>
-              </a:solidFill>
-            </a:endParaRPr>
           </a:p>
         </p:txBody>
       </p:sp>
@@ -9104,7 +8781,7 @@
           <p:nvPr/>
         </p:nvPicPr>
         <p:blipFill>
-          <a:blip r:embed="rId1"/>
+          <a:blip r:embed="rId2"/>
           <a:stretch>
             <a:fillRect/>
           </a:stretch>
@@ -9224,11 +8901,6 @@
               </a:rPr>
               <a:t>Correlation Matrix</a:t>
             </a:r>
-            <a:endParaRPr lang="en-US" altLang="zh-CN" sz="2800" b="1" dirty="0">
-              <a:solidFill>
-                <a:srgbClr val="D4AF37"/>
-              </a:solidFill>
-            </a:endParaRPr>
           </a:p>
         </p:txBody>
       </p:sp>
@@ -9272,6 +8944,7 @@
           <a:lstStyle/>
           <a:p>
             <a:pPr algn="ctr"/>
+            <a:endParaRPr/>
           </a:p>
         </p:txBody>
       </p:sp>
@@ -9408,11 +9081,6 @@
               </a:rPr>
               <a:t>Correlation Matrix</a:t>
             </a:r>
-            <a:endParaRPr lang="en-US" altLang="zh-CN" dirty="0">
-              <a:solidFill>
-                <a:schemeClr val="bg1"/>
-              </a:solidFill>
-            </a:endParaRPr>
           </a:p>
         </p:txBody>
       </p:sp>
@@ -9458,11 +9126,6 @@
               </a:rPr>
               <a:t> Surface temperature (TREFHT) shows a strong positive correlation with shortwave radiation (FSNS) and bottom specific moisture (QBOT) (deep red block).</a:t>
             </a:r>
-            <a:endParaRPr lang="en-US" altLang="zh-CN" dirty="0">
-              <a:solidFill>
-                <a:schemeClr val="bg1"/>
-              </a:solidFill>
-            </a:endParaRPr>
           </a:p>
         </p:txBody>
       </p:sp>
@@ -9475,7 +9138,7 @@
           <p:nvPr/>
         </p:nvPicPr>
         <p:blipFill>
-          <a:blip r:embed="rId1"/>
+          <a:blip r:embed="rId2"/>
           <a:stretch>
             <a:fillRect/>
           </a:stretch>
@@ -9693,11 +9356,6 @@
               </a:rPr>
               <a:t>Temperature–Radiation Relationship</a:t>
             </a:r>
-            <a:endParaRPr lang="en-US" altLang="zh-CN" sz="2800" b="1" dirty="0">
-              <a:solidFill>
-                <a:srgbClr val="D4AF37"/>
-              </a:solidFill>
-            </a:endParaRPr>
           </a:p>
         </p:txBody>
       </p:sp>
@@ -9741,6 +9399,7 @@
           <a:lstStyle/>
           <a:p>
             <a:pPr algn="ctr"/>
+            <a:endParaRPr/>
           </a:p>
         </p:txBody>
       </p:sp>
@@ -9877,11 +9536,6 @@
               </a:rPr>
               <a:t>Scatter Regression Plot of Temperature vs. Radiation</a:t>
             </a:r>
-            <a:endParaRPr lang="en-US" altLang="zh-CN">
-              <a:solidFill>
-                <a:schemeClr val="bg1"/>
-              </a:solidFill>
-            </a:endParaRPr>
           </a:p>
         </p:txBody>
       </p:sp>
@@ -9927,11 +9581,6 @@
               </a:rPr>
               <a:t> Net shortwave radiation reaching the Earth's surface shows a clear positive linear fit with surface temperature.</a:t>
             </a:r>
-            <a:endParaRPr lang="en-US" altLang="zh-CN" dirty="0">
-              <a:solidFill>
-                <a:schemeClr val="bg1"/>
-              </a:solidFill>
-            </a:endParaRPr>
           </a:p>
           <a:p>
             <a:pPr indent="0">
@@ -9968,11 +9617,6 @@
               </a:rPr>
               <a:t>Less cloud → More sunshine → Ground warms up</a:t>
             </a:r>
-            <a:endParaRPr lang="en-US" altLang="zh-CN" dirty="0">
-              <a:solidFill>
-                <a:schemeClr val="bg1"/>
-              </a:solidFill>
-            </a:endParaRPr>
           </a:p>
           <a:p>
             <a:pPr indent="0">
@@ -10007,7 +9651,7 @@
           <p:nvPr/>
         </p:nvPicPr>
         <p:blipFill>
-          <a:blip r:embed="rId1"/>
+          <a:blip r:embed="rId2"/>
           <a:stretch>
             <a:fillRect/>
           </a:stretch>
@@ -10052,11 +9696,6 @@
               </a:rPr>
               <a:t>The chart reveals the first physical driver of global warming: radiative forcing.</a:t>
             </a:r>
-            <a:endParaRPr lang="en-GB" altLang="zh-CN" sz="2000" dirty="0">
-              <a:solidFill>
-                <a:srgbClr val="FFC000"/>
-              </a:solidFill>
-            </a:endParaRPr>
           </a:p>
         </p:txBody>
       </p:sp>
@@ -10069,103 +9708,103 @@
 </file>
 
 <file path=ppt/tags/tag1.xml><?xml version="1.0" encoding="utf-8"?>
-<p:tagLst xmlns:p="http://schemas.openxmlformats.org/presentationml/2006/main">
-  <p:tag name="KSO_WM_DIAGRAM_VIRTUALLY_FRAME" val="{&quot;height&quot;:393.7343307086614,&quot;left&quot;:24.240708661417287,&quot;top&quot;:85.26566929133858,&quot;width&quot;:916.8092913385826}"/>
+<p:tagLst xmlns:a="http://schemas.openxmlformats.org/drawingml/2006/main" xmlns:r="http://schemas.openxmlformats.org/officeDocument/2006/relationships" xmlns:p="http://schemas.openxmlformats.org/presentationml/2006/main">
+  <p:tag name="RESOURCE_RECORD_KEY" val="{&quot;29&quot;:[50052409,50000047,50000097]}"/>
 </p:tagLst>
 </file>
 
 <file path=ppt/tags/tag10.xml><?xml version="1.0" encoding="utf-8"?>
-<p:tagLst xmlns:p="http://schemas.openxmlformats.org/presentationml/2006/main">
+<p:tagLst xmlns:a="http://schemas.openxmlformats.org/drawingml/2006/main" xmlns:r="http://schemas.openxmlformats.org/officeDocument/2006/relationships" xmlns:p="http://schemas.openxmlformats.org/presentationml/2006/main">
   <p:tag name="KSO_WM_DIAGRAM_VIRTUALLY_FRAME" val="{&quot;height&quot;:393.7343307086614,&quot;left&quot;:24.240708661417287,&quot;top&quot;:85.26566929133858,&quot;width&quot;:916.8092913385826}"/>
 </p:tagLst>
 </file>
 
 <file path=ppt/tags/tag11.xml><?xml version="1.0" encoding="utf-8"?>
-<p:tagLst xmlns:p="http://schemas.openxmlformats.org/presentationml/2006/main">
+<p:tagLst xmlns:a="http://schemas.openxmlformats.org/drawingml/2006/main" xmlns:r="http://schemas.openxmlformats.org/officeDocument/2006/relationships" xmlns:p="http://schemas.openxmlformats.org/presentationml/2006/main">
   <p:tag name="KSO_WM_DIAGRAM_VIRTUALLY_FRAME" val="{&quot;height&quot;:393.7343307086614,&quot;left&quot;:24.240708661417287,&quot;top&quot;:85.26566929133858,&quot;width&quot;:916.8092913385826}"/>
 </p:tagLst>
 </file>
 
 <file path=ppt/tags/tag12.xml><?xml version="1.0" encoding="utf-8"?>
-<p:tagLst xmlns:p="http://schemas.openxmlformats.org/presentationml/2006/main">
+<p:tagLst xmlns:a="http://schemas.openxmlformats.org/drawingml/2006/main" xmlns:r="http://schemas.openxmlformats.org/officeDocument/2006/relationships" xmlns:p="http://schemas.openxmlformats.org/presentationml/2006/main">
   <p:tag name="KSO_WM_DIAGRAM_VIRTUALLY_FRAME" val="{&quot;height&quot;:393.7343307086614,&quot;left&quot;:24.240708661417287,&quot;top&quot;:85.26566929133858,&quot;width&quot;:916.8092913385826}"/>
 </p:tagLst>
 </file>
 
 <file path=ppt/tags/tag13.xml><?xml version="1.0" encoding="utf-8"?>
-<p:tagLst xmlns:p="http://schemas.openxmlformats.org/presentationml/2006/main">
+<p:tagLst xmlns:a="http://schemas.openxmlformats.org/drawingml/2006/main" xmlns:r="http://schemas.openxmlformats.org/officeDocument/2006/relationships" xmlns:p="http://schemas.openxmlformats.org/presentationml/2006/main">
   <p:tag name="KSO_WM_DIAGRAM_VIRTUALLY_FRAME" val="{&quot;height&quot;:393.7343307086614,&quot;left&quot;:24.240708661417287,&quot;top&quot;:85.26566929133858,&quot;width&quot;:916.8092913385826}"/>
 </p:tagLst>
 </file>
 
 <file path=ppt/tags/tag14.xml><?xml version="1.0" encoding="utf-8"?>
-<p:tagLst xmlns:p="http://schemas.openxmlformats.org/presentationml/2006/main">
+<p:tagLst xmlns:a="http://schemas.openxmlformats.org/drawingml/2006/main" xmlns:r="http://schemas.openxmlformats.org/officeDocument/2006/relationships" xmlns:p="http://schemas.openxmlformats.org/presentationml/2006/main">
   <p:tag name="KSO_WM_DIAGRAM_VIRTUALLY_FRAME" val="{&quot;height&quot;:393.7343307086614,&quot;left&quot;:24.240708661417287,&quot;top&quot;:85.26566929133858,&quot;width&quot;:916.8092913385826}"/>
 </p:tagLst>
 </file>
 
 <file path=ppt/tags/tag15.xml><?xml version="1.0" encoding="utf-8"?>
-<p:tagLst xmlns:p="http://schemas.openxmlformats.org/presentationml/2006/main">
+<p:tagLst xmlns:a="http://schemas.openxmlformats.org/drawingml/2006/main" xmlns:r="http://schemas.openxmlformats.org/officeDocument/2006/relationships" xmlns:p="http://schemas.openxmlformats.org/presentationml/2006/main">
   <p:tag name="KSO_WM_DIAGRAM_VIRTUALLY_FRAME" val="{&quot;height&quot;:393.7343307086614,&quot;left&quot;:24.240708661417287,&quot;top&quot;:85.26566929133858,&quot;width&quot;:916.8092913385826}"/>
 </p:tagLst>
 </file>
 
 <file path=ppt/tags/tag16.xml><?xml version="1.0" encoding="utf-8"?>
-<p:tagLst xmlns:p="http://schemas.openxmlformats.org/presentationml/2006/main">
+<p:tagLst xmlns:a="http://schemas.openxmlformats.org/drawingml/2006/main" xmlns:r="http://schemas.openxmlformats.org/officeDocument/2006/relationships" xmlns:p="http://schemas.openxmlformats.org/presentationml/2006/main">
+  <p:tag name="KSO_WM_DIAGRAM_VIRTUALLY_FRAME" val="{&quot;height&quot;:393.7343307086614,&quot;left&quot;:24.240708661417287,&quot;top&quot;:85.26566929133858,&quot;width&quot;:916.8092913385826}"/>
+</p:tagLst>
+</file>
+
+<file path=ppt/tags/tag17.xml><?xml version="1.0" encoding="utf-8"?>
+<p:tagLst xmlns:a="http://schemas.openxmlformats.org/drawingml/2006/main" xmlns:r="http://schemas.openxmlformats.org/officeDocument/2006/relationships" xmlns:p="http://schemas.openxmlformats.org/presentationml/2006/main">
   <p:tag name="KSO_WM_DIAGRAM_VIRTUALLY_FRAME" val="{&quot;height&quot;:393.7343307086614,&quot;left&quot;:24.240708661417287,&quot;top&quot;:85.26566929133858,&quot;width&quot;:916.8092913385826}"/>
 </p:tagLst>
 </file>
 
 <file path=ppt/tags/tag2.xml><?xml version="1.0" encoding="utf-8"?>
-<p:tagLst xmlns:p="http://schemas.openxmlformats.org/presentationml/2006/main">
+<p:tagLst xmlns:a="http://schemas.openxmlformats.org/drawingml/2006/main" xmlns:r="http://schemas.openxmlformats.org/officeDocument/2006/relationships" xmlns:p="http://schemas.openxmlformats.org/presentationml/2006/main">
   <p:tag name="KSO_WM_DIAGRAM_VIRTUALLY_FRAME" val="{&quot;height&quot;:393.7343307086614,&quot;left&quot;:24.240708661417287,&quot;top&quot;:85.26566929133858,&quot;width&quot;:916.8092913385826}"/>
 </p:tagLst>
 </file>
 
-<file path=ppt/tags/tag20.xml><?xml version="1.0" encoding="utf-8"?>
-<p:tagLst xmlns:p="http://schemas.openxmlformats.org/presentationml/2006/main">
-  <p:tag name="RESOURCE_RECORD_KEY" val="{&quot;29&quot;:[50052409,50000047,50000097]}"/>
-</p:tagLst>
-</file>
-
 <file path=ppt/tags/tag3.xml><?xml version="1.0" encoding="utf-8"?>
-<p:tagLst xmlns:p="http://schemas.openxmlformats.org/presentationml/2006/main">
+<p:tagLst xmlns:a="http://schemas.openxmlformats.org/drawingml/2006/main" xmlns:r="http://schemas.openxmlformats.org/officeDocument/2006/relationships" xmlns:p="http://schemas.openxmlformats.org/presentationml/2006/main">
   <p:tag name="KSO_WM_DIAGRAM_VIRTUALLY_FRAME" val="{&quot;height&quot;:393.7343307086614,&quot;left&quot;:24.240708661417287,&quot;top&quot;:85.26566929133858,&quot;width&quot;:916.8092913385826}"/>
 </p:tagLst>
 </file>
 
 <file path=ppt/tags/tag4.xml><?xml version="1.0" encoding="utf-8"?>
-<p:tagLst xmlns:p="http://schemas.openxmlformats.org/presentationml/2006/main">
+<p:tagLst xmlns:a="http://schemas.openxmlformats.org/drawingml/2006/main" xmlns:r="http://schemas.openxmlformats.org/officeDocument/2006/relationships" xmlns:p="http://schemas.openxmlformats.org/presentationml/2006/main">
   <p:tag name="KSO_WM_DIAGRAM_VIRTUALLY_FRAME" val="{&quot;height&quot;:393.7343307086614,&quot;left&quot;:24.240708661417287,&quot;top&quot;:85.26566929133858,&quot;width&quot;:916.8092913385826}"/>
 </p:tagLst>
 </file>
 
 <file path=ppt/tags/tag5.xml><?xml version="1.0" encoding="utf-8"?>
-<p:tagLst xmlns:p="http://schemas.openxmlformats.org/presentationml/2006/main">
+<p:tagLst xmlns:a="http://schemas.openxmlformats.org/drawingml/2006/main" xmlns:r="http://schemas.openxmlformats.org/officeDocument/2006/relationships" xmlns:p="http://schemas.openxmlformats.org/presentationml/2006/main">
   <p:tag name="KSO_WM_DIAGRAM_VIRTUALLY_FRAME" val="{&quot;height&quot;:393.7343307086614,&quot;left&quot;:24.240708661417287,&quot;top&quot;:85.26566929133858,&quot;width&quot;:916.8092913385826}"/>
 </p:tagLst>
 </file>
 
 <file path=ppt/tags/tag6.xml><?xml version="1.0" encoding="utf-8"?>
-<p:tagLst xmlns:p="http://schemas.openxmlformats.org/presentationml/2006/main">
+<p:tagLst xmlns:a="http://schemas.openxmlformats.org/drawingml/2006/main" xmlns:r="http://schemas.openxmlformats.org/officeDocument/2006/relationships" xmlns:p="http://schemas.openxmlformats.org/presentationml/2006/main">
   <p:tag name="KSO_WM_DIAGRAM_VIRTUALLY_FRAME" val="{&quot;height&quot;:393.7343307086614,&quot;left&quot;:24.240708661417287,&quot;top&quot;:85.26566929133858,&quot;width&quot;:916.8092913385826}"/>
 </p:tagLst>
 </file>
 
 <file path=ppt/tags/tag7.xml><?xml version="1.0" encoding="utf-8"?>
-<p:tagLst xmlns:p="http://schemas.openxmlformats.org/presentationml/2006/main">
+<p:tagLst xmlns:a="http://schemas.openxmlformats.org/drawingml/2006/main" xmlns:r="http://schemas.openxmlformats.org/officeDocument/2006/relationships" xmlns:p="http://schemas.openxmlformats.org/presentationml/2006/main">
   <p:tag name="KSO_WM_DIAGRAM_VIRTUALLY_FRAME" val="{&quot;height&quot;:393.7343307086614,&quot;left&quot;:24.240708661417287,&quot;top&quot;:85.26566929133858,&quot;width&quot;:916.8092913385826}"/>
 </p:tagLst>
 </file>
 
 <file path=ppt/tags/tag8.xml><?xml version="1.0" encoding="utf-8"?>
-<p:tagLst xmlns:p="http://schemas.openxmlformats.org/presentationml/2006/main">
+<p:tagLst xmlns:a="http://schemas.openxmlformats.org/drawingml/2006/main" xmlns:r="http://schemas.openxmlformats.org/officeDocument/2006/relationships" xmlns:p="http://schemas.openxmlformats.org/presentationml/2006/main">
   <p:tag name="KSO_WM_DIAGRAM_VIRTUALLY_FRAME" val="{&quot;height&quot;:393.7343307086614,&quot;left&quot;:24.240708661417287,&quot;top&quot;:85.26566929133858,&quot;width&quot;:916.8092913385826}"/>
 </p:tagLst>
 </file>
 
 <file path=ppt/tags/tag9.xml><?xml version="1.0" encoding="utf-8"?>
-<p:tagLst xmlns:p="http://schemas.openxmlformats.org/presentationml/2006/main">
+<p:tagLst xmlns:a="http://schemas.openxmlformats.org/drawingml/2006/main" xmlns:r="http://schemas.openxmlformats.org/officeDocument/2006/relationships" xmlns:p="http://schemas.openxmlformats.org/presentationml/2006/main">
   <p:tag name="KSO_WM_DIAGRAM_VIRTUALLY_FRAME" val="{&quot;height&quot;:393.7343307086614,&quot;left&quot;:24.240708661417287,&quot;top&quot;:85.26566929133858,&quot;width&quot;:916.8092913385826}"/>
 </p:tagLst>
 </file>
@@ -10486,6 +10125,7 @@
       </a:style>
     </a:lnDef>
   </a:objectDefaults>
+  <a:extraClrSchemeLst/>
   <a:extLst>
     <a:ext uri="{05A4C25C-085E-4340-85A3-A5531E510DB2}">
       <thm15:themeFamily xmlns:thm15="http://schemas.microsoft.com/office/thememl/2012/main" name="Office Theme" id="{62F939B6-93AF-4DB8-9C6B-D6C7DFDC589F}" vid="{4A3C46E8-61CC-4603-A589-7422A47A8E4A}"/>
@@ -10745,6 +10385,8 @@
       </a:bgFillStyleLst>
     </a:fmtScheme>
   </a:themeElements>
+  <a:objectDefaults/>
+  <a:extraClrSchemeLst/>
   <a:extLst>
     <a:ext uri="{05A4C25C-085E-4340-85A3-A5531E510DB2}">
       <thm15:themeFamily xmlns:thm15="http://schemas.microsoft.com/office/thememl/2012/main" name="Office Theme" id="{62F939B6-93AF-4DB8-9C6B-D6C7DFDC589F}" vid="{4A3C46E8-61CC-4603-A589-7422A47A8E4A}"/>
@@ -11004,6 +10646,8 @@
       </a:bgFillStyleLst>
     </a:fmtScheme>
   </a:themeElements>
+  <a:objectDefaults/>
+  <a:extraClrSchemeLst/>
   <a:extLst>
     <a:ext uri="{05A4C25C-085E-4340-85A3-A5531E510DB2}">
       <thm15:themeFamily xmlns:thm15="http://schemas.microsoft.com/office/thememl/2012/main" name="Office Theme" id="{62F939B6-93AF-4DB8-9C6B-D6C7DFDC589F}" vid="{4A3C46E8-61CC-4603-A589-7422A47A8E4A}"/>
@@ -11013,6 +10657,23 @@
 </file>
 
 <file path=customXml/item1.xml><?xml version="1.0" encoding="utf-8"?>
+<p:properties xmlns:p="http://schemas.microsoft.com/office/2006/metadata/properties" xmlns:xsi="http://www.w3.org/2001/XMLSchema-instance" xmlns:pc="http://schemas.microsoft.com/office/infopath/2007/PartnerControls">
+  <documentManagement>
+    <_activity xmlns="982514d0-1baf-4113-b1b0-77e0727f613a" xmlns:xsi="http://www.w3.org/2001/XMLSchema-instance" xsi:nil="true"/>
+  </documentManagement>
+</p:properties>
+</file>
+
+<file path=customXml/item2.xml><?xml version="1.0" encoding="utf-8"?>
+<?mso-contentType ?>
+<FormTemplates xmlns="http://schemas.microsoft.com/sharepoint/v3/contenttype/forms">
+  <Display xmlns="http://schemas.microsoft.com/sharepoint/v3/contenttype/forms">DocumentLibraryForm</Display>
+  <Edit xmlns="http://schemas.microsoft.com/sharepoint/v3/contenttype/forms">DocumentLibraryForm</Edit>
+  <New xmlns="http://schemas.microsoft.com/sharepoint/v3/contenttype/forms">DocumentLibraryForm</New>
+</FormTemplates>
+</file>
+
+<file path=customXml/item3.xml><?xml version="1.0" encoding="utf-8"?>
 <ct:contentTypeSchema xmlns:ct="http://schemas.microsoft.com/office/2006/metadata/contentType" contentTypeVersion="9" _="" contentTypeDescription="Create a new document." contentTypeScope="" contentTypeID="0x010100F1D26F62E5C4DC4D98FAB396728BB81D" versionID="1f03f48f6527d541a3b18ac4739cc1f0" contentTypeName="Document">
   <xsd:schema xmlns:xsd="http://www.w3.org/2001/XMLSchema" root="true" _="" targetNamespace="http://schemas.microsoft.com/office/2006/metadata/properties" fieldsID="a7f4b56daed70b72f0fb16df63363826">
     <xsd:import xmlns:xsd="http://www.w3.org/2001/XMLSchema" namespace="982514d0-1baf-4113-b1b0-77e0727f613a"/>
@@ -11108,8 +10769,8 @@
         <xsd:element xmlns:xsd="http://www.w3.org/2001/XMLSchema" name="version" maxOccurs="1" minOccurs="0" type="xsd:string"/>
         <xsd:element xmlns:xsd="http://www.w3.org/2001/XMLSchema" name="revision" maxOccurs="1" minOccurs="0" type="xsd:string">
           <xsd:annotation xmlns:xsd="http://www.w3.org/2001/XMLSchema">
-            <xsd:documentation xmlns:xsd="http://www.w3.org/2001/XMLSchema">
-                        This value indicates the number of saves or revisions. The application is responsible for updating this value after each revision.
+            <xsd:documentation xmlns:xsd="http://www.w3.org/2001/XMLSchema">
+                        This value indicates the number of saves or revisions. The application is responsible for updating this value after each revision.
                     </xsd:documentation>
           </xsd:annotation>
         </xsd:element>
@@ -11188,37 +10849,20 @@
 </ct:contentTypeSchema>
 </file>
 
-<file path=customXml/item2.xml><?xml version="1.0" encoding="utf-8"?>
-<?mso-contentType ?>
-<FormTemplates xmlns="http://schemas.microsoft.com/sharepoint/v3/contenttype/forms">
-  <Display xmlns="http://schemas.microsoft.com/sharepoint/v3/contenttype/forms">DocumentLibraryForm</Display>
-  <Edit xmlns="http://schemas.microsoft.com/sharepoint/v3/contenttype/forms">DocumentLibraryForm</Edit>
-  <New xmlns="http://schemas.microsoft.com/sharepoint/v3/contenttype/forms">DocumentLibraryForm</New>
-</FormTemplates>
-</file>
-
-<file path=customXml/item3.xml><?xml version="1.0" encoding="utf-8"?>
-<p:properties xmlns:p="http://schemas.microsoft.com/office/2006/metadata/properties" xmlns:xsi="http://www.w3.org/2001/XMLSchema-instance" xmlns:pc="http://schemas.microsoft.com/office/infopath/2007/PartnerControls">
-  <documentManagement>
-    <_activity xmlns="982514d0-1baf-4113-b1b0-77e0727f613a" xmlns:xsi="http://www.w3.org/2001/XMLSchema-instance" xsi:nil="true"/>
-  </documentManagement>
-</p:properties>
-</file>
-
-<file path=customXml/itemProps17.xml><?xml version="1.0" encoding="utf-8"?>
-<ds:datastoreItem xmlns:ds="http://schemas.openxmlformats.org/officeDocument/2006/customXml" ds:itemID="{A1A7B617-F2CD-4815-B926-5FA0F78B134C}">
+<file path=customXml/itemProps1.xml><?xml version="1.0" encoding="utf-8"?>
+<ds:datastoreItem xmlns:ds="http://schemas.openxmlformats.org/officeDocument/2006/customXml" ds:itemID="{70F8125E-4FF0-47B1-BE46-3121B16ECC1B}">
   <ds:schemaRefs/>
 </ds:datastoreItem>
 </file>
 
-<file path=customXml/itemProps18.xml><?xml version="1.0" encoding="utf-8"?>
+<file path=customXml/itemProps2.xml><?xml version="1.0" encoding="utf-8"?>
 <ds:datastoreItem xmlns:ds="http://schemas.openxmlformats.org/officeDocument/2006/customXml" ds:itemID="{3E5767E8-4B42-4CF5-95F1-D93278658697}">
   <ds:schemaRefs/>
 </ds:datastoreItem>
 </file>
 
-<file path=customXml/itemProps19.xml><?xml version="1.0" encoding="utf-8"?>
-<ds:datastoreItem xmlns:ds="http://schemas.openxmlformats.org/officeDocument/2006/customXml" ds:itemID="{70F8125E-4FF0-47B1-BE46-3121B16ECC1B}">
+<file path=customXml/itemProps3.xml><?xml version="1.0" encoding="utf-8"?>
+<ds:datastoreItem xmlns:ds="http://schemas.openxmlformats.org/officeDocument/2006/customXml" ds:itemID="{A1A7B617-F2CD-4815-B926-5FA0F78B134C}">
   <ds:schemaRefs/>
 </ds:datastoreItem>
 </file>
--- a/Project_1_final.pptx
+++ b/Project_1_final.pptx
@@ -128,7 +128,7 @@
   <p:extLst>
     <p:ext uri="{EFAFB233-063F-42B5-8137-9DF3F51BA10A}">
       <p15:sldGuideLst xmlns:p15="http://schemas.microsoft.com/office/powerpoint/2012/main">
-        <p15:guide id="1" orient="horz" pos="2276" userDrawn="1">
+        <p15:guide id="1" orient="horz" pos="2244" userDrawn="1">
           <p15:clr>
             <a:srgbClr val="A4A3A4"/>
           </p15:clr>
@@ -4108,7 +4108,7 @@
         </p:nvSpPr>
         <p:spPr>
           <a:xfrm>
-            <a:off x="333375" y="2245153"/>
+            <a:off x="301625" y="2143553"/>
             <a:ext cx="4205605" cy="2979627"/>
           </a:xfrm>
           <a:prstGeom prst="rect">
@@ -4140,7 +4140,21 @@
                   <a:schemeClr val="bg1"/>
                 </a:solidFill>
               </a:rPr>
-              <a:t> The actual water content (specific humidity) of the atmosphere shows a very close, synchronous increase with rising temperature.</a:t>
+              <a:t> </a:t>
+            </a:r>
+          </a:p>
+          <a:p>
+            <a:pPr indent="0">
+              <a:buFont typeface="Wingdings" panose="05000000000000000000" charset="0"/>
+              <a:buNone/>
+            </a:pPr>
+            <a:r>
+              <a:rPr lang="en-US" altLang="zh-CN" dirty="0">
+                <a:solidFill>
+                  <a:schemeClr val="bg1"/>
+                </a:solidFill>
+              </a:rPr>
+              <a:t>The actual water content (specific humidity) of the atmosphere shows a very close, synchronous increase with rising temperature.</a:t>
             </a:r>
           </a:p>
           <a:p>
@@ -4918,7 +4932,7 @@
         <p:spPr>
           <a:xfrm>
             <a:off x="4310874" y="3825200"/>
-            <a:ext cx="7670582" cy="923330"/>
+            <a:ext cx="7670582" cy="922020"/>
           </a:xfrm>
           <a:prstGeom prst="rect">
             <a:avLst/>
@@ -4933,7 +4947,15 @@
           <a:p>
             <a:r>
               <a:rPr lang="en-US" altLang="zh-CN" dirty="0"/>
-              <a:t>This illustrates the Clausius-Clapeyron effect: rising temperatures force the atmosphere to absorb more water vapor, which in turn locks in more heat (Pall, Allen et al. 2007, O</a:t>
+              <a:t>This illustrates the </a:t>
+            </a:r>
+            <a:r>
+              <a:rPr lang="en-US" altLang="zh-CN" b="1" dirty="0"/>
+              <a:t>Clausius-Clapeyron effect</a:t>
+            </a:r>
+            <a:r>
+              <a:rPr lang="en-US" altLang="zh-CN" dirty="0"/>
+              <a:t>: rising temperatures force the atmosphere to absorb more water vapor, which in turn locks in more heat (Pall, Allen et al. 2007, O</a:t>
             </a:r>
             <a:r>
               <a:rPr lang="zh-CN" altLang="zh-CN" dirty="0"/>
@@ -5195,8 +5217,8 @@
         </p:nvSpPr>
         <p:spPr>
           <a:xfrm>
-            <a:off x="5077532" y="196031"/>
-            <a:ext cx="1996296" cy="521970"/>
+            <a:off x="5077460" y="196215"/>
+            <a:ext cx="2209165" cy="521970"/>
           </a:xfrm>
           <a:prstGeom prst="rect">
             <a:avLst/>
@@ -5215,7 +5237,7 @@
                   <a:srgbClr val="D4AF37"/>
                 </a:solidFill>
               </a:rPr>
-              <a:t>Reference</a:t>
+              <a:t>References</a:t>
             </a:r>
           </a:p>
         </p:txBody>
@@ -5684,7 +5706,7 @@
               <a:t>Qin, P., et al. (2024). "Characteristics of population exposure to climate extremes from regional to global 1.5</a:t>
             </a:r>
             <a:r>
-              <a:rPr lang="" altLang="en-US" dirty="0">
+              <a:rPr lang="en-US" altLang="en-US" dirty="0">
                 <a:solidFill>
                   <a:schemeClr val="bg1"/>
                 </a:solidFill>
@@ -5704,7 +5726,7 @@
               <a:t> C and 2.0</a:t>
             </a:r>
             <a:r>
-              <a:rPr lang="" altLang="en-US" dirty="0">
+              <a:rPr lang="en-US" altLang="en-US" dirty="0">
                 <a:solidFill>
                   <a:schemeClr val="bg1"/>
                 </a:solidFill>
@@ -7821,7 +7843,7 @@
         <p:spPr>
           <a:xfrm>
             <a:off x="300990" y="1651635"/>
-            <a:ext cx="4237990" cy="2834005"/>
+            <a:ext cx="4237990" cy="3159125"/>
           </a:xfrm>
           <a:prstGeom prst="rect">
             <a:avLst/>
@@ -7957,7 +7979,7 @@
         <p:spPr>
           <a:xfrm>
             <a:off x="353695" y="1900555"/>
-            <a:ext cx="4185285" cy="2651125"/>
+            <a:ext cx="4185285" cy="2773045"/>
           </a:xfrm>
           <a:prstGeom prst="rect">
             <a:avLst/>
@@ -7988,7 +8010,37 @@
                   <a:schemeClr val="bg1"/>
                 </a:solidFill>
               </a:rPr>
-              <a:t> The line shows sharp, jagged oscillations, lacking a smooth, monotonous trend.</a:t>
+              <a:t> </a:t>
+            </a:r>
+          </a:p>
+          <a:p>
+            <a:pPr indent="0">
+              <a:buFont typeface="Wingdings" panose="05000000000000000000" charset="0"/>
+              <a:buNone/>
+            </a:pPr>
+            <a:r>
+              <a:rPr lang="en-US" altLang="zh-CN" dirty="0">
+                <a:solidFill>
+                  <a:schemeClr val="bg1"/>
+                </a:solidFill>
+              </a:rPr>
+              <a:t>The line shows sharp, jagged </a:t>
+            </a:r>
+            <a:r>
+              <a:rPr lang="en-US" altLang="zh-CN" b="1" dirty="0">
+                <a:solidFill>
+                  <a:srgbClr val="D4AF37"/>
+                </a:solidFill>
+              </a:rPr>
+              <a:t>fluctuations</a:t>
+            </a:r>
+            <a:r>
+              <a:rPr lang="en-US" altLang="zh-CN" dirty="0">
+                <a:solidFill>
+                  <a:schemeClr val="bg1"/>
+                </a:solidFill>
+              </a:rPr>
+              <a:t>, lacking a smooth, monotonous trend.</a:t>
             </a:r>
           </a:p>
           <a:p>
@@ -8021,7 +8073,53 @@
                   <a:schemeClr val="bg1"/>
                 </a:solidFill>
               </a:rPr>
-              <a:t> This illustrates that precipitation systems exhibit extremely high interannual variability and inherent uncertainty.</a:t>
+              <a:t> </a:t>
+            </a:r>
+          </a:p>
+          <a:p>
+            <a:pPr indent="0">
+              <a:buFont typeface="Wingdings" panose="05000000000000000000" charset="0"/>
+              <a:buNone/>
+            </a:pPr>
+            <a:r>
+              <a:rPr lang="en-US" altLang="zh-CN" dirty="0">
+                <a:solidFill>
+                  <a:schemeClr val="bg1"/>
+                </a:solidFill>
+              </a:rPr>
+              <a:t>This illustrates that precipitation systems exhibit extremely high </a:t>
+            </a:r>
+            <a:r>
+              <a:rPr lang="en-US" altLang="zh-CN" b="1" dirty="0">
+                <a:solidFill>
+                  <a:srgbClr val="D4AF37"/>
+                </a:solidFill>
+              </a:rPr>
+              <a:t>interannual variability</a:t>
+            </a:r>
+            <a:r>
+              <a:rPr lang="en-US" altLang="zh-CN" dirty="0">
+                <a:solidFill>
+                  <a:schemeClr val="bg1"/>
+                </a:solidFill>
+              </a:rPr>
+              <a:t> and </a:t>
+            </a:r>
+            <a:r>
+              <a:rPr lang="en-US" altLang="zh-CN" b="1" dirty="0">
+                <a:solidFill>
+                  <a:srgbClr val="D4AF37"/>
+                </a:solidFill>
+              </a:rPr>
+              <a:t>inherent uncertainty</a:t>
+            </a:r>
+            <a:r>
+              <a:rPr lang="en-US" altLang="zh-CN" b="1" dirty="0">
+                <a:solidFill>
+                  <a:schemeClr val="bg1"/>
+                </a:solidFill>
+              </a:rPr>
+              <a:t>.</a:t>
             </a:r>
           </a:p>
         </p:txBody>
@@ -8179,7 +8277,7 @@
         <p:spPr>
           <a:xfrm>
             <a:off x="300990" y="1651635"/>
-            <a:ext cx="4237990" cy="4067175"/>
+            <a:ext cx="4237990" cy="4117975"/>
           </a:xfrm>
           <a:prstGeom prst="rect">
             <a:avLst/>
@@ -8320,8 +8418,8 @@
         </p:nvSpPr>
         <p:spPr>
           <a:xfrm>
-            <a:off x="363855" y="1900555"/>
-            <a:ext cx="4138930" cy="3477260"/>
+            <a:off x="302260" y="1900555"/>
+            <a:ext cx="4248150" cy="3477260"/>
           </a:xfrm>
           <a:prstGeom prst="rect">
             <a:avLst/>
@@ -8352,7 +8450,21 @@
                   <a:schemeClr val="bg1"/>
                 </a:solidFill>
               </a:rPr>
-              <a:t> Clearly outlines the local precipitation pattern of "more rain in autumn and winter, and relatively less rain in spring and summer".</a:t>
+              <a:t> </a:t>
+            </a:r>
+          </a:p>
+          <a:p>
+            <a:pPr indent="0">
+              <a:buFont typeface="Wingdings" panose="05000000000000000000" charset="0"/>
+              <a:buNone/>
+            </a:pPr>
+            <a:r>
+              <a:rPr lang="en-US" altLang="zh-CN" dirty="0">
+                <a:solidFill>
+                  <a:schemeClr val="bg1"/>
+                </a:solidFill>
+              </a:rPr>
+              <a:t>Clearly outlines the local precipitation pattern of "more rain in autumn and winter, and relatively less rain in spring and summer".</a:t>
             </a:r>
           </a:p>
           <a:p>
@@ -8385,7 +8497,37 @@
                   <a:schemeClr val="bg1"/>
                 </a:solidFill>
               </a:rPr>
-              <a:t> As shown in the temperature thermogram, the combination of "extreme high temperatures in summer" and "relatively low precipitation" will significantly increase the risk of seasonal drought in the region.</a:t>
+              <a:t> </a:t>
+            </a:r>
+          </a:p>
+          <a:p>
+            <a:pPr indent="0">
+              <a:buFont typeface="Wingdings" panose="05000000000000000000" charset="0"/>
+              <a:buNone/>
+            </a:pPr>
+            <a:r>
+              <a:rPr lang="en-US" altLang="zh-CN" dirty="0">
+                <a:solidFill>
+                  <a:schemeClr val="bg1"/>
+                </a:solidFill>
+              </a:rPr>
+              <a:t>As shown in the heatmap, the combination of "extreme high temperatures in summer" and "relatively low precipitation" will significantly increase the risk of </a:t>
+            </a:r>
+            <a:r>
+              <a:rPr lang="en-US" altLang="zh-CN" b="1" dirty="0">
+                <a:solidFill>
+                  <a:srgbClr val="D4AF37"/>
+                </a:solidFill>
+              </a:rPr>
+              <a:t>seasonal drought</a:t>
+            </a:r>
+            <a:r>
+              <a:rPr lang="en-US" altLang="zh-CN" dirty="0">
+                <a:solidFill>
+                  <a:schemeClr val="bg1"/>
+                </a:solidFill>
+              </a:rPr>
+              <a:t> in the region.</a:t>
             </a:r>
           </a:p>
         </p:txBody>
@@ -8567,7 +8709,7 @@
         <p:spPr>
           <a:xfrm>
             <a:off x="300990" y="1651635"/>
-            <a:ext cx="4237990" cy="3806825"/>
+            <a:ext cx="4237990" cy="3707765"/>
           </a:xfrm>
           <a:prstGeom prst="rect">
             <a:avLst/>
@@ -8734,7 +8876,21 @@
                   <a:schemeClr val="bg1"/>
                 </a:solidFill>
               </a:rPr>
-              <a:t> Tracked the changing trajectory of solar energy as it penetrates the atmosphere to reach the Earth's surface.</a:t>
+              <a:t> </a:t>
+            </a:r>
+          </a:p>
+          <a:p>
+            <a:pPr indent="0">
+              <a:buFont typeface="Wingdings" panose="05000000000000000000" charset="0"/>
+              <a:buNone/>
+            </a:pPr>
+            <a:r>
+              <a:rPr lang="en-US" altLang="zh-CN" dirty="0">
+                <a:solidFill>
+                  <a:schemeClr val="bg1"/>
+                </a:solidFill>
+              </a:rPr>
+              <a:t>Tracked the changing trajectory of solar energy as it penetrates the atmosphere to reach the Earth's surface.</a:t>
             </a:r>
           </a:p>
           <a:p>
@@ -8761,13 +8917,51 @@
               </a:rPr>
               <a:t>Physical significance:</a:t>
             </a:r>
+          </a:p>
+          <a:p>
+            <a:pPr indent="0">
+              <a:buFont typeface="Wingdings" panose="05000000000000000000" charset="0"/>
+              <a:buNone/>
+            </a:pPr>
             <a:r>
               <a:rPr lang="en-US" altLang="zh-CN" dirty="0">
                 <a:solidFill>
                   <a:schemeClr val="bg1"/>
                 </a:solidFill>
               </a:rPr>
-              <a:t> Fluctuations in radiation are directly affected by local cloud cover and atmospheric transparency, serving as the direct "fuel" and energy source driving abnormal fluctuations in surface temperature.</a:t>
+              <a:t> Fluctuations in radiation are directly affected by local </a:t>
+            </a:r>
+            <a:r>
+              <a:rPr lang="en-US" altLang="zh-CN" b="1" dirty="0">
+                <a:solidFill>
+                  <a:srgbClr val="D4AF37"/>
+                </a:solidFill>
+              </a:rPr>
+              <a:t>cloud cover</a:t>
+            </a:r>
+            <a:r>
+              <a:rPr lang="en-US" altLang="zh-CN" dirty="0">
+                <a:solidFill>
+                  <a:schemeClr val="bg1"/>
+                </a:solidFill>
+              </a:rPr>
+              <a:t> and </a:t>
+            </a:r>
+            <a:r>
+              <a:rPr lang="en-US" altLang="zh-CN" b="1" dirty="0">
+                <a:solidFill>
+                  <a:srgbClr val="D4AF37"/>
+                </a:solidFill>
+              </a:rPr>
+              <a:t>atmospheric transparency</a:t>
+            </a:r>
+            <a:r>
+              <a:rPr lang="en-US" altLang="zh-CN" dirty="0">
+                <a:solidFill>
+                  <a:schemeClr val="bg1"/>
+                </a:solidFill>
+              </a:rPr>
+              <a:t>, serving as the direct "fuel" and energy source driving abnormal fluctuations in surface temperature.</a:t>
             </a:r>
           </a:p>
         </p:txBody>
@@ -8957,7 +9151,7 @@
         <p:spPr>
           <a:xfrm>
             <a:off x="300990" y="1651635"/>
-            <a:ext cx="4237990" cy="4092575"/>
+            <a:ext cx="4237990" cy="3228975"/>
           </a:xfrm>
           <a:prstGeom prst="rect">
             <a:avLst/>
@@ -9092,7 +9286,7 @@
         </p:nvSpPr>
         <p:spPr>
           <a:xfrm>
-            <a:off x="301625" y="3013010"/>
+            <a:off x="301625" y="2284665"/>
             <a:ext cx="4205605" cy="2288605"/>
           </a:xfrm>
           <a:prstGeom prst="rect">
@@ -9124,7 +9318,21 @@
                   <a:schemeClr val="bg1"/>
                 </a:solidFill>
               </a:rPr>
-              <a:t> Surface temperature (TREFHT) shows a strong positive correlation with shortwave radiation (FSNS) and bottom specific moisture (QBOT) (deep red block).</a:t>
+              <a:t> </a:t>
+            </a:r>
+          </a:p>
+          <a:p>
+            <a:pPr indent="0">
+              <a:buFont typeface="Wingdings" panose="05000000000000000000" charset="0"/>
+              <a:buNone/>
+            </a:pPr>
+            <a:r>
+              <a:rPr lang="en-US" altLang="zh-CN" dirty="0">
+                <a:solidFill>
+                  <a:schemeClr val="bg1"/>
+                </a:solidFill>
+              </a:rPr>
+              <a:t>Surface temperature (TREFHT) shows a strong positive correlation with shortwave radiation (FSNS) and bottom specific moisture (QBOT) (deep red block).</a:t>
             </a:r>
           </a:p>
         </p:txBody>
@@ -9579,7 +9787,21 @@
                   <a:schemeClr val="bg1"/>
                 </a:solidFill>
               </a:rPr>
-              <a:t> Net shortwave radiation reaching the Earth's surface shows a clear positive linear fit with surface temperature.</a:t>
+              <a:t> </a:t>
+            </a:r>
+          </a:p>
+          <a:p>
+            <a:pPr indent="0">
+              <a:buFont typeface="Wingdings" panose="05000000000000000000" charset="0"/>
+              <a:buNone/>
+            </a:pPr>
+            <a:r>
+              <a:rPr lang="en-US" altLang="zh-CN" dirty="0">
+                <a:solidFill>
+                  <a:schemeClr val="bg1"/>
+                </a:solidFill>
+              </a:rPr>
+              <a:t>Net shortwave radiation reaching the Earth's surface shows a clear positive linear fit with surface temperature.</a:t>
             </a:r>
           </a:p>
           <a:p>
@@ -9715,97 +9937,97 @@
 
 <file path=ppt/tags/tag10.xml><?xml version="1.0" encoding="utf-8"?>
 <p:tagLst xmlns:a="http://schemas.openxmlformats.org/drawingml/2006/main" xmlns:r="http://schemas.openxmlformats.org/officeDocument/2006/relationships" xmlns:p="http://schemas.openxmlformats.org/presentationml/2006/main">
-  <p:tag name="KSO_WM_DIAGRAM_VIRTUALLY_FRAME" val="{&quot;height&quot;:393.7343307086614,&quot;left&quot;:24.240708661417287,&quot;top&quot;:85.26566929133858,&quot;width&quot;:916.8092913385826}"/>
+  <p:tag name="KSO_WM_DIAGRAM_VIRTUALLY_FRAME" val="{&quot;height&quot;:393.7343307086614,&quot;left&quot;:24.240708661417287,&quot;top&quot;:85.26566929133858,&quot;width&quot;:919.1810236220472}"/>
 </p:tagLst>
 </file>
 
 <file path=ppt/tags/tag11.xml><?xml version="1.0" encoding="utf-8"?>
 <p:tagLst xmlns:a="http://schemas.openxmlformats.org/drawingml/2006/main" xmlns:r="http://schemas.openxmlformats.org/officeDocument/2006/relationships" xmlns:p="http://schemas.openxmlformats.org/presentationml/2006/main">
-  <p:tag name="KSO_WM_DIAGRAM_VIRTUALLY_FRAME" val="{&quot;height&quot;:393.7343307086614,&quot;left&quot;:24.240708661417287,&quot;top&quot;:85.26566929133858,&quot;width&quot;:916.8092913385826}"/>
+  <p:tag name="KSO_WM_DIAGRAM_VIRTUALLY_FRAME" val="{&quot;height&quot;:393.7343307086614,&quot;left&quot;:24.240708661417287,&quot;top&quot;:85.26566929133858,&quot;width&quot;:919.1810236220472}"/>
 </p:tagLst>
 </file>
 
 <file path=ppt/tags/tag12.xml><?xml version="1.0" encoding="utf-8"?>
 <p:tagLst xmlns:a="http://schemas.openxmlformats.org/drawingml/2006/main" xmlns:r="http://schemas.openxmlformats.org/officeDocument/2006/relationships" xmlns:p="http://schemas.openxmlformats.org/presentationml/2006/main">
-  <p:tag name="KSO_WM_DIAGRAM_VIRTUALLY_FRAME" val="{&quot;height&quot;:393.7343307086614,&quot;left&quot;:24.240708661417287,&quot;top&quot;:85.26566929133858,&quot;width&quot;:916.8092913385826}"/>
+  <p:tag name="KSO_WM_DIAGRAM_VIRTUALLY_FRAME" val="{&quot;height&quot;:393.7343307086614,&quot;left&quot;:24.240708661417287,&quot;top&quot;:85.26566929133858,&quot;width&quot;:919.1810236220472}"/>
 </p:tagLst>
 </file>
 
 <file path=ppt/tags/tag13.xml><?xml version="1.0" encoding="utf-8"?>
 <p:tagLst xmlns:a="http://schemas.openxmlformats.org/drawingml/2006/main" xmlns:r="http://schemas.openxmlformats.org/officeDocument/2006/relationships" xmlns:p="http://schemas.openxmlformats.org/presentationml/2006/main">
-  <p:tag name="KSO_WM_DIAGRAM_VIRTUALLY_FRAME" val="{&quot;height&quot;:393.7343307086614,&quot;left&quot;:24.240708661417287,&quot;top&quot;:85.26566929133858,&quot;width&quot;:916.8092913385826}"/>
+  <p:tag name="KSO_WM_DIAGRAM_VIRTUALLY_FRAME" val="{&quot;height&quot;:393.7343307086614,&quot;left&quot;:24.240708661417287,&quot;top&quot;:85.26566929133858,&quot;width&quot;:919.1810236220472}"/>
 </p:tagLst>
 </file>
 
 <file path=ppt/tags/tag14.xml><?xml version="1.0" encoding="utf-8"?>
 <p:tagLst xmlns:a="http://schemas.openxmlformats.org/drawingml/2006/main" xmlns:r="http://schemas.openxmlformats.org/officeDocument/2006/relationships" xmlns:p="http://schemas.openxmlformats.org/presentationml/2006/main">
-  <p:tag name="KSO_WM_DIAGRAM_VIRTUALLY_FRAME" val="{&quot;height&quot;:393.7343307086614,&quot;left&quot;:24.240708661417287,&quot;top&quot;:85.26566929133858,&quot;width&quot;:916.8092913385826}"/>
+  <p:tag name="KSO_WM_DIAGRAM_VIRTUALLY_FRAME" val="{&quot;height&quot;:393.7343307086614,&quot;left&quot;:24.240708661417287,&quot;top&quot;:85.26566929133858,&quot;width&quot;:919.1810236220472}"/>
 </p:tagLst>
 </file>
 
 <file path=ppt/tags/tag15.xml><?xml version="1.0" encoding="utf-8"?>
 <p:tagLst xmlns:a="http://schemas.openxmlformats.org/drawingml/2006/main" xmlns:r="http://schemas.openxmlformats.org/officeDocument/2006/relationships" xmlns:p="http://schemas.openxmlformats.org/presentationml/2006/main">
-  <p:tag name="KSO_WM_DIAGRAM_VIRTUALLY_FRAME" val="{&quot;height&quot;:393.7343307086614,&quot;left&quot;:24.240708661417287,&quot;top&quot;:85.26566929133858,&quot;width&quot;:916.8092913385826}"/>
+  <p:tag name="KSO_WM_DIAGRAM_VIRTUALLY_FRAME" val="{&quot;height&quot;:393.7343307086614,&quot;left&quot;:24.240708661417287,&quot;top&quot;:85.26566929133858,&quot;width&quot;:919.1810236220472}"/>
 </p:tagLst>
 </file>
 
 <file path=ppt/tags/tag16.xml><?xml version="1.0" encoding="utf-8"?>
 <p:tagLst xmlns:a="http://schemas.openxmlformats.org/drawingml/2006/main" xmlns:r="http://schemas.openxmlformats.org/officeDocument/2006/relationships" xmlns:p="http://schemas.openxmlformats.org/presentationml/2006/main">
-  <p:tag name="KSO_WM_DIAGRAM_VIRTUALLY_FRAME" val="{&quot;height&quot;:393.7343307086614,&quot;left&quot;:24.240708661417287,&quot;top&quot;:85.26566929133858,&quot;width&quot;:916.8092913385826}"/>
+  <p:tag name="KSO_WM_DIAGRAM_VIRTUALLY_FRAME" val="{&quot;height&quot;:393.7343307086614,&quot;left&quot;:24.240708661417287,&quot;top&quot;:85.26566929133858,&quot;width&quot;:919.1810236220472}"/>
 </p:tagLst>
 </file>
 
 <file path=ppt/tags/tag17.xml><?xml version="1.0" encoding="utf-8"?>
 <p:tagLst xmlns:a="http://schemas.openxmlformats.org/drawingml/2006/main" xmlns:r="http://schemas.openxmlformats.org/officeDocument/2006/relationships" xmlns:p="http://schemas.openxmlformats.org/presentationml/2006/main">
-  <p:tag name="KSO_WM_DIAGRAM_VIRTUALLY_FRAME" val="{&quot;height&quot;:393.7343307086614,&quot;left&quot;:24.240708661417287,&quot;top&quot;:85.26566929133858,&quot;width&quot;:916.8092913385826}"/>
+  <p:tag name="KSO_WM_DIAGRAM_VIRTUALLY_FRAME" val="{&quot;height&quot;:393.7343307086614,&quot;left&quot;:24.240708661417287,&quot;top&quot;:85.26566929133858,&quot;width&quot;:919.1810236220472}"/>
 </p:tagLst>
 </file>
 
 <file path=ppt/tags/tag2.xml><?xml version="1.0" encoding="utf-8"?>
 <p:tagLst xmlns:a="http://schemas.openxmlformats.org/drawingml/2006/main" xmlns:r="http://schemas.openxmlformats.org/officeDocument/2006/relationships" xmlns:p="http://schemas.openxmlformats.org/presentationml/2006/main">
-  <p:tag name="KSO_WM_DIAGRAM_VIRTUALLY_FRAME" val="{&quot;height&quot;:393.7343307086614,&quot;left&quot;:24.240708661417287,&quot;top&quot;:85.26566929133858,&quot;width&quot;:916.8092913385826}"/>
+  <p:tag name="KSO_WM_DIAGRAM_VIRTUALLY_FRAME" val="{&quot;height&quot;:393.7343307086614,&quot;left&quot;:24.240708661417287,&quot;top&quot;:85.26566929133858,&quot;width&quot;:919.1810236220472}"/>
 </p:tagLst>
 </file>
 
 <file path=ppt/tags/tag3.xml><?xml version="1.0" encoding="utf-8"?>
 <p:tagLst xmlns:a="http://schemas.openxmlformats.org/drawingml/2006/main" xmlns:r="http://schemas.openxmlformats.org/officeDocument/2006/relationships" xmlns:p="http://schemas.openxmlformats.org/presentationml/2006/main">
-  <p:tag name="KSO_WM_DIAGRAM_VIRTUALLY_FRAME" val="{&quot;height&quot;:393.7343307086614,&quot;left&quot;:24.240708661417287,&quot;top&quot;:85.26566929133858,&quot;width&quot;:916.8092913385826}"/>
+  <p:tag name="KSO_WM_DIAGRAM_VIRTUALLY_FRAME" val="{&quot;height&quot;:393.7343307086614,&quot;left&quot;:24.240708661417287,&quot;top&quot;:85.26566929133858,&quot;width&quot;:919.1810236220472}"/>
 </p:tagLst>
 </file>
 
 <file path=ppt/tags/tag4.xml><?xml version="1.0" encoding="utf-8"?>
 <p:tagLst xmlns:a="http://schemas.openxmlformats.org/drawingml/2006/main" xmlns:r="http://schemas.openxmlformats.org/officeDocument/2006/relationships" xmlns:p="http://schemas.openxmlformats.org/presentationml/2006/main">
-  <p:tag name="KSO_WM_DIAGRAM_VIRTUALLY_FRAME" val="{&quot;height&quot;:393.7343307086614,&quot;left&quot;:24.240708661417287,&quot;top&quot;:85.26566929133858,&quot;width&quot;:916.8092913385826}"/>
+  <p:tag name="KSO_WM_DIAGRAM_VIRTUALLY_FRAME" val="{&quot;height&quot;:393.7343307086614,&quot;left&quot;:24.240708661417287,&quot;top&quot;:85.26566929133858,&quot;width&quot;:919.1810236220472}"/>
 </p:tagLst>
 </file>
 
 <file path=ppt/tags/tag5.xml><?xml version="1.0" encoding="utf-8"?>
 <p:tagLst xmlns:a="http://schemas.openxmlformats.org/drawingml/2006/main" xmlns:r="http://schemas.openxmlformats.org/officeDocument/2006/relationships" xmlns:p="http://schemas.openxmlformats.org/presentationml/2006/main">
-  <p:tag name="KSO_WM_DIAGRAM_VIRTUALLY_FRAME" val="{&quot;height&quot;:393.7343307086614,&quot;left&quot;:24.240708661417287,&quot;top&quot;:85.26566929133858,&quot;width&quot;:916.8092913385826}"/>
+  <p:tag name="KSO_WM_DIAGRAM_VIRTUALLY_FRAME" val="{&quot;height&quot;:393.7343307086614,&quot;left&quot;:24.240708661417287,&quot;top&quot;:85.26566929133858,&quot;width&quot;:919.1810236220472}"/>
 </p:tagLst>
 </file>
 
 <file path=ppt/tags/tag6.xml><?xml version="1.0" encoding="utf-8"?>
 <p:tagLst xmlns:a="http://schemas.openxmlformats.org/drawingml/2006/main" xmlns:r="http://schemas.openxmlformats.org/officeDocument/2006/relationships" xmlns:p="http://schemas.openxmlformats.org/presentationml/2006/main">
-  <p:tag name="KSO_WM_DIAGRAM_VIRTUALLY_FRAME" val="{&quot;height&quot;:393.7343307086614,&quot;left&quot;:24.240708661417287,&quot;top&quot;:85.26566929133858,&quot;width&quot;:916.8092913385826}"/>
+  <p:tag name="KSO_WM_DIAGRAM_VIRTUALLY_FRAME" val="{&quot;height&quot;:393.7343307086614,&quot;left&quot;:24.240708661417287,&quot;top&quot;:85.26566929133858,&quot;width&quot;:919.1810236220472}"/>
 </p:tagLst>
 </file>
 
 <file path=ppt/tags/tag7.xml><?xml version="1.0" encoding="utf-8"?>
 <p:tagLst xmlns:a="http://schemas.openxmlformats.org/drawingml/2006/main" xmlns:r="http://schemas.openxmlformats.org/officeDocument/2006/relationships" xmlns:p="http://schemas.openxmlformats.org/presentationml/2006/main">
-  <p:tag name="KSO_WM_DIAGRAM_VIRTUALLY_FRAME" val="{&quot;height&quot;:393.7343307086614,&quot;left&quot;:24.240708661417287,&quot;top&quot;:85.26566929133858,&quot;width&quot;:916.8092913385826}"/>
+  <p:tag name="KSO_WM_DIAGRAM_VIRTUALLY_FRAME" val="{&quot;height&quot;:393.7343307086614,&quot;left&quot;:24.240708661417287,&quot;top&quot;:85.26566929133858,&quot;width&quot;:919.1810236220472}"/>
 </p:tagLst>
 </file>
 
 <file path=ppt/tags/tag8.xml><?xml version="1.0" encoding="utf-8"?>
 <p:tagLst xmlns:a="http://schemas.openxmlformats.org/drawingml/2006/main" xmlns:r="http://schemas.openxmlformats.org/officeDocument/2006/relationships" xmlns:p="http://schemas.openxmlformats.org/presentationml/2006/main">
-  <p:tag name="KSO_WM_DIAGRAM_VIRTUALLY_FRAME" val="{&quot;height&quot;:393.7343307086614,&quot;left&quot;:24.240708661417287,&quot;top&quot;:85.26566929133858,&quot;width&quot;:916.8092913385826}"/>
+  <p:tag name="KSO_WM_DIAGRAM_VIRTUALLY_FRAME" val="{&quot;height&quot;:393.7343307086614,&quot;left&quot;:24.240708661417287,&quot;top&quot;:85.26566929133858,&quot;width&quot;:919.1810236220472}"/>
 </p:tagLst>
 </file>
 
 <file path=ppt/tags/tag9.xml><?xml version="1.0" encoding="utf-8"?>
 <p:tagLst xmlns:a="http://schemas.openxmlformats.org/drawingml/2006/main" xmlns:r="http://schemas.openxmlformats.org/officeDocument/2006/relationships" xmlns:p="http://schemas.openxmlformats.org/presentationml/2006/main">
-  <p:tag name="KSO_WM_DIAGRAM_VIRTUALLY_FRAME" val="{&quot;height&quot;:393.7343307086614,&quot;left&quot;:24.240708661417287,&quot;top&quot;:85.26566929133858,&quot;width&quot;:916.8092913385826}"/>
+  <p:tag name="KSO_WM_DIAGRAM_VIRTUALLY_FRAME" val="{&quot;height&quot;:393.7343307086614,&quot;left&quot;:24.240708661417287,&quot;top&quot;:85.26566929133858,&quot;width&quot;:919.1810236220472}"/>
 </p:tagLst>
 </file>
 
@@ -10665,15 +10887,6 @@
 </file>
 
 <file path=customXml/item2.xml><?xml version="1.0" encoding="utf-8"?>
-<?mso-contentType ?>
-<FormTemplates xmlns="http://schemas.microsoft.com/sharepoint/v3/contenttype/forms">
-  <Display xmlns="http://schemas.microsoft.com/sharepoint/v3/contenttype/forms">DocumentLibraryForm</Display>
-  <Edit xmlns="http://schemas.microsoft.com/sharepoint/v3/contenttype/forms">DocumentLibraryForm</Edit>
-  <New xmlns="http://schemas.microsoft.com/sharepoint/v3/contenttype/forms">DocumentLibraryForm</New>
-</FormTemplates>
-</file>
-
-<file path=customXml/item3.xml><?xml version="1.0" encoding="utf-8"?>
 <ct:contentTypeSchema xmlns:ct="http://schemas.microsoft.com/office/2006/metadata/contentType" contentTypeVersion="9" _="" contentTypeDescription="Create a new document." contentTypeScope="" contentTypeID="0x010100F1D26F62E5C4DC4D98FAB396728BB81D" versionID="1f03f48f6527d541a3b18ac4739cc1f0" contentTypeName="Document">
   <xsd:schema xmlns:xsd="http://www.w3.org/2001/XMLSchema" root="true" _="" targetNamespace="http://schemas.microsoft.com/office/2006/metadata/properties" fieldsID="a7f4b56daed70b72f0fb16df63363826">
     <xsd:import xmlns:xsd="http://www.w3.org/2001/XMLSchema" namespace="982514d0-1baf-4113-b1b0-77e0727f613a"/>
@@ -10849,6 +11062,15 @@
 </ct:contentTypeSchema>
 </file>
 
+<file path=customXml/item3.xml><?xml version="1.0" encoding="utf-8"?>
+<?mso-contentType ?>
+<FormTemplates xmlns="http://schemas.microsoft.com/sharepoint/v3/contenttype/forms">
+  <Display xmlns="http://schemas.microsoft.com/sharepoint/v3/contenttype/forms">DocumentLibraryForm</Display>
+  <Edit xmlns="http://schemas.microsoft.com/sharepoint/v3/contenttype/forms">DocumentLibraryForm</Edit>
+  <New xmlns="http://schemas.microsoft.com/sharepoint/v3/contenttype/forms">DocumentLibraryForm</New>
+</FormTemplates>
+</file>
+
 <file path=customXml/itemProps1.xml><?xml version="1.0" encoding="utf-8"?>
 <ds:datastoreItem xmlns:ds="http://schemas.openxmlformats.org/officeDocument/2006/customXml" ds:itemID="{70F8125E-4FF0-47B1-BE46-3121B16ECC1B}">
   <ds:schemaRefs/>
@@ -10856,13 +11078,13 @@
 </file>
 
 <file path=customXml/itemProps2.xml><?xml version="1.0" encoding="utf-8"?>
-<ds:datastoreItem xmlns:ds="http://schemas.openxmlformats.org/officeDocument/2006/customXml" ds:itemID="{3E5767E8-4B42-4CF5-95F1-D93278658697}">
+<ds:datastoreItem xmlns:ds="http://schemas.openxmlformats.org/officeDocument/2006/customXml" ds:itemID="{A1A7B617-F2CD-4815-B926-5FA0F78B134C}">
   <ds:schemaRefs/>
 </ds:datastoreItem>
 </file>
 
 <file path=customXml/itemProps3.xml><?xml version="1.0" encoding="utf-8"?>
-<ds:datastoreItem xmlns:ds="http://schemas.openxmlformats.org/officeDocument/2006/customXml" ds:itemID="{A1A7B617-F2CD-4815-B926-5FA0F78B134C}">
+<ds:datastoreItem xmlns:ds="http://schemas.openxmlformats.org/officeDocument/2006/customXml" ds:itemID="{3E5767E8-4B42-4CF5-95F1-D93278658697}">
   <ds:schemaRefs/>
 </ds:datastoreItem>
 </file>